--- a/Deep Learning-Based Detector for OFDM-IM.pptx
+++ b/Deep Learning-Based Detector for OFDM-IM.pptx
@@ -4,14 +4,24 @@
   <p:sldMasterIdLst>
     <p:sldMasterId id="2147483648" r:id="rId1"/>
   </p:sldMasterIdLst>
+  <p:notesMasterIdLst>
+    <p:notesMasterId r:id="rId16"/>
+  </p:notesMasterIdLst>
   <p:sldIdLst>
     <p:sldId id="256" r:id="rId2"/>
     <p:sldId id="257" r:id="rId3"/>
-    <p:sldId id="258" r:id="rId4"/>
-    <p:sldId id="259" r:id="rId5"/>
-    <p:sldId id="260" r:id="rId6"/>
-    <p:sldId id="262" r:id="rId7"/>
-    <p:sldId id="261" r:id="rId8"/>
+    <p:sldId id="264" r:id="rId4"/>
+    <p:sldId id="258" r:id="rId5"/>
+    <p:sldId id="265" r:id="rId6"/>
+    <p:sldId id="259" r:id="rId7"/>
+    <p:sldId id="266" r:id="rId8"/>
+    <p:sldId id="260" r:id="rId9"/>
+    <p:sldId id="262" r:id="rId10"/>
+    <p:sldId id="263" r:id="rId11"/>
+    <p:sldId id="267" r:id="rId12"/>
+    <p:sldId id="268" r:id="rId13"/>
+    <p:sldId id="269" r:id="rId14"/>
+    <p:sldId id="261" r:id="rId15"/>
   </p:sldIdLst>
   <p:sldSz cx="12192000" cy="6858000"/>
   <p:notesSz cx="6858000" cy="9144000"/>
@@ -121,256 +131,559 @@
 <file path=ppt/revisionInfo.xml><?xml version="1.0" encoding="utf-8"?>
 <p1510:revInfo xmlns:a="http://schemas.openxmlformats.org/drawingml/2006/main" xmlns:r="http://schemas.openxmlformats.org/officeDocument/2006/relationships" xmlns:p1510="http://schemas.microsoft.com/office/powerpoint/2015/10/main">
   <p1510:revLst>
-    <p1510:client id="{6E03DA2E-FD1E-41E7-A92A-325BDD847203}" v="36" dt="2020-01-05T09:18:49.174"/>
+    <p1510:client id="{6E03DA2E-FD1E-41E7-A92A-325BDD847203}" v="260" dt="2020-01-06T12:48:11.884"/>
   </p1510:revLst>
 </p1510:revInfo>
 </file>
 
-<file path=ppt/changesInfos/changesInfo1.xml><?xml version="1.0" encoding="utf-8"?>
-<pc:chgInfo xmlns:a="http://schemas.openxmlformats.org/drawingml/2006/main" xmlns:r="http://schemas.openxmlformats.org/officeDocument/2006/relationships" xmlns:ac="http://schemas.microsoft.com/office/drawing/2013/main/command" xmlns:pc="http://schemas.microsoft.com/office/powerpoint/2013/main/command">
-  <pc:docChgLst>
-    <pc:chgData name="刘 昱辰" userId="5f5f3e6bc5d5e03b" providerId="LiveId" clId="{6E03DA2E-FD1E-41E7-A92A-325BDD847203}"/>
-    <pc:docChg chg="undo custSel addSld modSld">
-      <pc:chgData name="刘 昱辰" userId="5f5f3e6bc5d5e03b" providerId="LiveId" clId="{6E03DA2E-FD1E-41E7-A92A-325BDD847203}" dt="2020-01-05T09:19:10.989" v="643" actId="20577"/>
-      <pc:docMkLst>
-        <pc:docMk/>
-      </pc:docMkLst>
-      <pc:sldChg chg="addSp delSp modSp add">
-        <pc:chgData name="刘 昱辰" userId="5f5f3e6bc5d5e03b" providerId="LiveId" clId="{6E03DA2E-FD1E-41E7-A92A-325BDD847203}" dt="2020-01-05T07:08:10.239" v="179" actId="20577"/>
-        <pc:sldMkLst>
-          <pc:docMk/>
-          <pc:sldMk cId="2525725885" sldId="256"/>
-        </pc:sldMkLst>
-        <pc:spChg chg="del mod">
-          <ac:chgData name="刘 昱辰" userId="5f5f3e6bc5d5e03b" providerId="LiveId" clId="{6E03DA2E-FD1E-41E7-A92A-325BDD847203}" dt="2020-01-05T05:40:48.987" v="3" actId="478"/>
-          <ac:spMkLst>
-            <pc:docMk/>
-            <pc:sldMk cId="2525725885" sldId="256"/>
-            <ac:spMk id="2" creationId="{3457FD88-D013-4BDC-8772-5A946CBD6887}"/>
-          </ac:spMkLst>
-        </pc:spChg>
-        <pc:spChg chg="del">
-          <ac:chgData name="刘 昱辰" userId="5f5f3e6bc5d5e03b" providerId="LiveId" clId="{6E03DA2E-FD1E-41E7-A92A-325BDD847203}" dt="2020-01-05T05:40:55.025" v="6" actId="478"/>
-          <ac:spMkLst>
-            <pc:docMk/>
-            <pc:sldMk cId="2525725885" sldId="256"/>
-            <ac:spMk id="3" creationId="{E43D1BAE-7EC2-4E37-95EF-902637822817}"/>
-          </ac:spMkLst>
-        </pc:spChg>
-        <pc:spChg chg="add mod">
-          <ac:chgData name="刘 昱辰" userId="5f5f3e6bc5d5e03b" providerId="LiveId" clId="{6E03DA2E-FD1E-41E7-A92A-325BDD847203}" dt="2020-01-05T07:08:10.239" v="179" actId="20577"/>
-          <ac:spMkLst>
-            <pc:docMk/>
-            <pc:sldMk cId="2525725885" sldId="256"/>
-            <ac:spMk id="4" creationId="{C8CD0C6A-6DE8-4312-B732-A63BCD2FD581}"/>
-          </ac:spMkLst>
-        </pc:spChg>
-        <pc:spChg chg="add mod">
-          <ac:chgData name="刘 昱辰" userId="5f5f3e6bc5d5e03b" providerId="LiveId" clId="{6E03DA2E-FD1E-41E7-A92A-325BDD847203}" dt="2020-01-05T05:44:09.736" v="73" actId="1076"/>
-          <ac:spMkLst>
-            <pc:docMk/>
-            <pc:sldMk cId="2525725885" sldId="256"/>
-            <ac:spMk id="5" creationId="{FCF1A996-34D8-4221-A301-C4BBED313A7D}"/>
-          </ac:spMkLst>
-        </pc:spChg>
-        <pc:spChg chg="add mod">
-          <ac:chgData name="刘 昱辰" userId="5f5f3e6bc5d5e03b" providerId="LiveId" clId="{6E03DA2E-FD1E-41E7-A92A-325BDD847203}" dt="2020-01-05T05:44:52.152" v="76" actId="1076"/>
-          <ac:spMkLst>
-            <pc:docMk/>
-            <pc:sldMk cId="2525725885" sldId="256"/>
-            <ac:spMk id="7" creationId="{682F602A-617B-476C-8867-F96A368D559E}"/>
-          </ac:spMkLst>
-        </pc:spChg>
-        <pc:picChg chg="add mod">
-          <ac:chgData name="刘 昱辰" userId="5f5f3e6bc5d5e03b" providerId="LiveId" clId="{6E03DA2E-FD1E-41E7-A92A-325BDD847203}" dt="2020-01-05T05:40:52.636" v="5" actId="14100"/>
-          <ac:picMkLst>
-            <pc:docMk/>
-            <pc:sldMk cId="2525725885" sldId="256"/>
-            <ac:picMk id="1026" creationId="{DA7445A9-E7C7-4E19-88F5-877F5566B497}"/>
-          </ac:picMkLst>
-        </pc:picChg>
-        <pc:picChg chg="add del">
-          <ac:chgData name="刘 昱辰" userId="5f5f3e6bc5d5e03b" providerId="LiveId" clId="{6E03DA2E-FD1E-41E7-A92A-325BDD847203}" dt="2020-01-05T05:41:06.546" v="10"/>
-          <ac:picMkLst>
-            <pc:docMk/>
-            <pc:sldMk cId="2525725885" sldId="256"/>
-            <ac:picMk id="1028" creationId="{BC554952-1B45-48C4-86D3-3E62DB6E83C8}"/>
-          </ac:picMkLst>
-        </pc:picChg>
-      </pc:sldChg>
-      <pc:sldChg chg="modSp add">
-        <pc:chgData name="刘 昱辰" userId="5f5f3e6bc5d5e03b" providerId="LiveId" clId="{6E03DA2E-FD1E-41E7-A92A-325BDD847203}" dt="2020-01-05T05:42:01.290" v="41" actId="20577"/>
-        <pc:sldMkLst>
-          <pc:docMk/>
-          <pc:sldMk cId="2254648182" sldId="257"/>
-        </pc:sldMkLst>
-        <pc:spChg chg="mod">
-          <ac:chgData name="刘 昱辰" userId="5f5f3e6bc5d5e03b" providerId="LiveId" clId="{6E03DA2E-FD1E-41E7-A92A-325BDD847203}" dt="2020-01-05T05:42:01.290" v="41" actId="20577"/>
-          <ac:spMkLst>
-            <pc:docMk/>
-            <pc:sldMk cId="2254648182" sldId="257"/>
-            <ac:spMk id="2" creationId="{632D2DCA-E894-4A6E-B455-A08616FF6B9B}"/>
-          </ac:spMkLst>
-        </pc:spChg>
-      </pc:sldChg>
-      <pc:sldChg chg="modSp add">
-        <pc:chgData name="刘 昱辰" userId="5f5f3e6bc5d5e03b" providerId="LiveId" clId="{6E03DA2E-FD1E-41E7-A92A-325BDD847203}" dt="2020-01-05T07:06:54.820" v="102" actId="5793"/>
-        <pc:sldMkLst>
-          <pc:docMk/>
-          <pc:sldMk cId="1716343603" sldId="258"/>
-        </pc:sldMkLst>
-        <pc:spChg chg="mod">
-          <ac:chgData name="刘 昱辰" userId="5f5f3e6bc5d5e03b" providerId="LiveId" clId="{6E03DA2E-FD1E-41E7-A92A-325BDD847203}" dt="2020-01-05T05:42:15.310" v="62" actId="20577"/>
-          <ac:spMkLst>
-            <pc:docMk/>
-            <pc:sldMk cId="1716343603" sldId="258"/>
-            <ac:spMk id="2" creationId="{142D92E0-9706-4332-90B1-B8BDB841A5A2}"/>
-          </ac:spMkLst>
-        </pc:spChg>
-        <pc:spChg chg="mod">
-          <ac:chgData name="刘 昱辰" userId="5f5f3e6bc5d5e03b" providerId="LiveId" clId="{6E03DA2E-FD1E-41E7-A92A-325BDD847203}" dt="2020-01-05T07:06:54.820" v="102" actId="5793"/>
-          <ac:spMkLst>
-            <pc:docMk/>
-            <pc:sldMk cId="1716343603" sldId="258"/>
-            <ac:spMk id="3" creationId="{20A15FD1-63FC-4896-AB35-DB36E6AC2686}"/>
-          </ac:spMkLst>
-        </pc:spChg>
-      </pc:sldChg>
-      <pc:sldChg chg="modSp add">
-        <pc:chgData name="刘 昱辰" userId="5f5f3e6bc5d5e03b" providerId="LiveId" clId="{6E03DA2E-FD1E-41E7-A92A-325BDD847203}" dt="2020-01-05T07:06:11.374" v="94" actId="20577"/>
-        <pc:sldMkLst>
-          <pc:docMk/>
-          <pc:sldMk cId="536054063" sldId="259"/>
-        </pc:sldMkLst>
-        <pc:spChg chg="mod">
-          <ac:chgData name="刘 昱辰" userId="5f5f3e6bc5d5e03b" providerId="LiveId" clId="{6E03DA2E-FD1E-41E7-A92A-325BDD847203}" dt="2020-01-05T07:06:11.374" v="94" actId="20577"/>
-          <ac:spMkLst>
-            <pc:docMk/>
-            <pc:sldMk cId="536054063" sldId="259"/>
-            <ac:spMk id="2" creationId="{B10ACCBE-156D-4A61-9D0B-9AFC460E66BA}"/>
-          </ac:spMkLst>
-        </pc:spChg>
-      </pc:sldChg>
-      <pc:sldChg chg="addSp delSp modSp add">
-        <pc:chgData name="刘 昱辰" userId="5f5f3e6bc5d5e03b" providerId="LiveId" clId="{6E03DA2E-FD1E-41E7-A92A-325BDD847203}" dt="2020-01-05T09:13:11.672" v="396" actId="1076"/>
-        <pc:sldMkLst>
-          <pc:docMk/>
-          <pc:sldMk cId="1931242069" sldId="260"/>
-        </pc:sldMkLst>
-        <pc:spChg chg="mod">
-          <ac:chgData name="刘 昱辰" userId="5f5f3e6bc5d5e03b" providerId="LiveId" clId="{6E03DA2E-FD1E-41E7-A92A-325BDD847203}" dt="2020-01-05T07:07:16.606" v="123" actId="20577"/>
-          <ac:spMkLst>
-            <pc:docMk/>
-            <pc:sldMk cId="1931242069" sldId="260"/>
-            <ac:spMk id="2" creationId="{8EF5220C-AF39-4314-88A3-C03A1A50A348}"/>
-          </ac:spMkLst>
-        </pc:spChg>
-        <pc:spChg chg="add mod">
-          <ac:chgData name="刘 昱辰" userId="5f5f3e6bc5d5e03b" providerId="LiveId" clId="{6E03DA2E-FD1E-41E7-A92A-325BDD847203}" dt="2020-01-05T09:11:22.055" v="384" actId="1076"/>
-          <ac:spMkLst>
-            <pc:docMk/>
-            <pc:sldMk cId="1931242069" sldId="260"/>
-            <ac:spMk id="3" creationId="{7EC1AEB3-D5EE-4B2D-B2FF-C819FA879628}"/>
-          </ac:spMkLst>
-        </pc:spChg>
-        <pc:spChg chg="del">
-          <ac:chgData name="刘 昱辰" userId="5f5f3e6bc5d5e03b" providerId="LiveId" clId="{6E03DA2E-FD1E-41E7-A92A-325BDD847203}" dt="2020-01-05T07:06:17.579" v="96" actId="478"/>
-          <ac:spMkLst>
-            <pc:docMk/>
-            <pc:sldMk cId="1931242069" sldId="260"/>
-            <ac:spMk id="3" creationId="{C511666B-1905-4C05-AD09-DEEDDFA27A6B}"/>
-          </ac:spMkLst>
-        </pc:spChg>
-        <pc:picChg chg="add mod">
-          <ac:chgData name="刘 昱辰" userId="5f5f3e6bc5d5e03b" providerId="LiveId" clId="{6E03DA2E-FD1E-41E7-A92A-325BDD847203}" dt="2020-01-05T07:20:34.419" v="181" actId="1076"/>
-          <ac:picMkLst>
-            <pc:docMk/>
-            <pc:sldMk cId="1931242069" sldId="260"/>
-            <ac:picMk id="4" creationId="{5CB53F52-4ECD-4C79-9B61-3A8A721C1B82}"/>
-          </ac:picMkLst>
-        </pc:picChg>
-        <pc:picChg chg="add del mod">
-          <ac:chgData name="刘 昱辰" userId="5f5f3e6bc5d5e03b" providerId="LiveId" clId="{6E03DA2E-FD1E-41E7-A92A-325BDD847203}" dt="2020-01-05T09:12:21.673" v="388" actId="478"/>
-          <ac:picMkLst>
-            <pc:docMk/>
-            <pc:sldMk cId="1931242069" sldId="260"/>
-            <ac:picMk id="5" creationId="{BFD8E83A-77D1-426F-8CCF-7488DB303FFE}"/>
-          </ac:picMkLst>
-        </pc:picChg>
-        <pc:picChg chg="add mod">
-          <ac:chgData name="刘 昱辰" userId="5f5f3e6bc5d5e03b" providerId="LiveId" clId="{6E03DA2E-FD1E-41E7-A92A-325BDD847203}" dt="2020-01-05T09:12:28.291" v="392" actId="14100"/>
-          <ac:picMkLst>
-            <pc:docMk/>
-            <pc:sldMk cId="1931242069" sldId="260"/>
-            <ac:picMk id="6" creationId="{95ABF1C5-2C07-4D12-8C14-AF72CF48E8AD}"/>
-          </ac:picMkLst>
-        </pc:picChg>
-        <pc:picChg chg="add mod">
-          <ac:chgData name="刘 昱辰" userId="5f5f3e6bc5d5e03b" providerId="LiveId" clId="{6E03DA2E-FD1E-41E7-A92A-325BDD847203}" dt="2020-01-05T09:13:11.672" v="396" actId="1076"/>
-          <ac:picMkLst>
-            <pc:docMk/>
-            <pc:sldMk cId="1931242069" sldId="260"/>
-            <ac:picMk id="7" creationId="{53837BAC-FEB7-4471-AD04-738DA3608CE7}"/>
-          </ac:picMkLst>
-        </pc:picChg>
-      </pc:sldChg>
-      <pc:sldChg chg="addSp delSp modSp add">
-        <pc:chgData name="刘 昱辰" userId="5f5f3e6bc5d5e03b" providerId="LiveId" clId="{6E03DA2E-FD1E-41E7-A92A-325BDD847203}" dt="2020-01-05T09:14:07.520" v="425"/>
-        <pc:sldMkLst>
-          <pc:docMk/>
-          <pc:sldMk cId="323265786" sldId="261"/>
-        </pc:sldMkLst>
-        <pc:spChg chg="mod">
-          <ac:chgData name="刘 昱辰" userId="5f5f3e6bc5d5e03b" providerId="LiveId" clId="{6E03DA2E-FD1E-41E7-A92A-325BDD847203}" dt="2020-01-05T09:13:54.284" v="424" actId="20577"/>
-          <ac:spMkLst>
-            <pc:docMk/>
-            <pc:sldMk cId="323265786" sldId="261"/>
-            <ac:spMk id="2" creationId="{9CB2A288-8CBA-4AB0-A432-1A897C07A06A}"/>
-          </ac:spMkLst>
-        </pc:spChg>
-        <pc:spChg chg="del">
-          <ac:chgData name="刘 昱辰" userId="5f5f3e6bc5d5e03b" providerId="LiveId" clId="{6E03DA2E-FD1E-41E7-A92A-325BDD847203}" dt="2020-01-05T09:13:38.359" v="397" actId="478"/>
-          <ac:spMkLst>
-            <pc:docMk/>
-            <pc:sldMk cId="323265786" sldId="261"/>
-            <ac:spMk id="3" creationId="{39E3D574-3B4F-4203-AFCA-C8F365888CAA}"/>
-          </ac:spMkLst>
-        </pc:spChg>
-        <pc:picChg chg="add">
-          <ac:chgData name="刘 昱辰" userId="5f5f3e6bc5d5e03b" providerId="LiveId" clId="{6E03DA2E-FD1E-41E7-A92A-325BDD847203}" dt="2020-01-05T09:14:07.520" v="425"/>
-          <ac:picMkLst>
-            <pc:docMk/>
-            <pc:sldMk cId="323265786" sldId="261"/>
-            <ac:picMk id="4" creationId="{F5E3D0C4-7696-435B-A69F-B05236B23471}"/>
-          </ac:picMkLst>
-        </pc:picChg>
-      </pc:sldChg>
-      <pc:sldChg chg="modSp add">
-        <pc:chgData name="刘 昱辰" userId="5f5f3e6bc5d5e03b" providerId="LiveId" clId="{6E03DA2E-FD1E-41E7-A92A-325BDD847203}" dt="2020-01-05T09:19:10.989" v="643" actId="20577"/>
-        <pc:sldMkLst>
-          <pc:docMk/>
-          <pc:sldMk cId="2527313988" sldId="262"/>
-        </pc:sldMkLst>
-        <pc:spChg chg="mod">
-          <ac:chgData name="刘 昱辰" userId="5f5f3e6bc5d5e03b" providerId="LiveId" clId="{6E03DA2E-FD1E-41E7-A92A-325BDD847203}" dt="2020-01-05T09:19:10.989" v="643" actId="20577"/>
-          <ac:spMkLst>
-            <pc:docMk/>
-            <pc:sldMk cId="2527313988" sldId="262"/>
-            <ac:spMk id="2" creationId="{D3EAF5FD-8B9C-46AC-8FF2-B725ADE4ABE1}"/>
-          </ac:spMkLst>
-        </pc:spChg>
-        <pc:spChg chg="mod">
-          <ac:chgData name="刘 昱辰" userId="5f5f3e6bc5d5e03b" providerId="LiveId" clId="{6E03DA2E-FD1E-41E7-A92A-325BDD847203}" dt="2020-01-05T09:19:02.883" v="639" actId="404"/>
-          <ac:spMkLst>
-            <pc:docMk/>
-            <pc:sldMk cId="2527313988" sldId="262"/>
-            <ac:spMk id="3" creationId="{D8F95B43-EC5D-4ED6-8620-6EB208F98773}"/>
-          </ac:spMkLst>
-        </pc:spChg>
-      </pc:sldChg>
-    </pc:docChg>
-  </pc:docChgLst>
-</pc:chgInfo>
+<file path=ppt/notesMasters/notesMaster1.xml><?xml version="1.0" encoding="utf-8"?>
+<p:notesMaster xmlns:a="http://schemas.openxmlformats.org/drawingml/2006/main" xmlns:r="http://schemas.openxmlformats.org/officeDocument/2006/relationships" xmlns:p="http://schemas.openxmlformats.org/presentationml/2006/main">
+  <p:cSld>
+    <p:bg>
+      <p:bgRef idx="1001">
+        <a:schemeClr val="bg1"/>
+      </p:bgRef>
+    </p:bg>
+    <p:spTree>
+      <p:nvGrpSpPr>
+        <p:cNvPr id="1" name=""/>
+        <p:cNvGrpSpPr/>
+        <p:nvPr/>
+      </p:nvGrpSpPr>
+      <p:grpSpPr>
+        <a:xfrm>
+          <a:off x="0" y="0"/>
+          <a:ext cx="0" cy="0"/>
+          <a:chOff x="0" y="0"/>
+          <a:chExt cx="0" cy="0"/>
+        </a:xfrm>
+      </p:grpSpPr>
+      <p:sp>
+        <p:nvSpPr>
+          <p:cNvPr id="2" name="页眉占位符 1"/>
+          <p:cNvSpPr>
+            <a:spLocks noGrp="1"/>
+          </p:cNvSpPr>
+          <p:nvPr>
+            <p:ph type="hdr" sz="quarter"/>
+          </p:nvPr>
+        </p:nvSpPr>
+        <p:spPr>
+          <a:xfrm>
+            <a:off x="0" y="0"/>
+            <a:ext cx="2971800" cy="458788"/>
+          </a:xfrm>
+          <a:prstGeom prst="rect">
+            <a:avLst/>
+          </a:prstGeom>
+        </p:spPr>
+        <p:txBody>
+          <a:bodyPr vert="horz" lIns="91440" tIns="45720" rIns="91440" bIns="45720" rtlCol="0"/>
+          <a:lstStyle>
+            <a:lvl1pPr algn="l">
+              <a:defRPr sz="1200"/>
+            </a:lvl1pPr>
+          </a:lstStyle>
+          <a:p>
+            <a:endParaRPr lang="zh-CN" altLang="en-US"/>
+          </a:p>
+        </p:txBody>
+      </p:sp>
+      <p:sp>
+        <p:nvSpPr>
+          <p:cNvPr id="3" name="日期占位符 2"/>
+          <p:cNvSpPr>
+            <a:spLocks noGrp="1"/>
+          </p:cNvSpPr>
+          <p:nvPr>
+            <p:ph type="dt" idx="1"/>
+          </p:nvPr>
+        </p:nvSpPr>
+        <p:spPr>
+          <a:xfrm>
+            <a:off x="3884613" y="0"/>
+            <a:ext cx="2971800" cy="458788"/>
+          </a:xfrm>
+          <a:prstGeom prst="rect">
+            <a:avLst/>
+          </a:prstGeom>
+        </p:spPr>
+        <p:txBody>
+          <a:bodyPr vert="horz" lIns="91440" tIns="45720" rIns="91440" bIns="45720" rtlCol="0"/>
+          <a:lstStyle>
+            <a:lvl1pPr algn="r">
+              <a:defRPr sz="1200"/>
+            </a:lvl1pPr>
+          </a:lstStyle>
+          <a:p>
+            <a:fld id="{2711C4EB-4A79-438C-9990-82408072BFD5}" type="datetimeFigureOut">
+              <a:rPr lang="zh-CN" altLang="en-US" smtClean="0"/>
+              <a:t>2020/1/6</a:t>
+            </a:fld>
+            <a:endParaRPr lang="zh-CN" altLang="en-US"/>
+          </a:p>
+        </p:txBody>
+      </p:sp>
+      <p:sp>
+        <p:nvSpPr>
+          <p:cNvPr id="4" name="幻灯片图像占位符 3"/>
+          <p:cNvSpPr>
+            <a:spLocks noGrp="1" noRot="1" noChangeAspect="1"/>
+          </p:cNvSpPr>
+          <p:nvPr>
+            <p:ph type="sldImg" idx="2"/>
+          </p:nvPr>
+        </p:nvSpPr>
+        <p:spPr>
+          <a:xfrm>
+            <a:off x="685800" y="1143000"/>
+            <a:ext cx="5486400" cy="3086100"/>
+          </a:xfrm>
+          <a:prstGeom prst="rect">
+            <a:avLst/>
+          </a:prstGeom>
+          <a:noFill/>
+          <a:ln w="12700">
+            <a:solidFill>
+              <a:prstClr val="black"/>
+            </a:solidFill>
+          </a:ln>
+        </p:spPr>
+        <p:txBody>
+          <a:bodyPr vert="horz" lIns="91440" tIns="45720" rIns="91440" bIns="45720" rtlCol="0" anchor="ctr"/>
+          <a:lstStyle/>
+          <a:p>
+            <a:endParaRPr lang="zh-CN" altLang="en-US"/>
+          </a:p>
+        </p:txBody>
+      </p:sp>
+      <p:sp>
+        <p:nvSpPr>
+          <p:cNvPr id="5" name="备注占位符 4"/>
+          <p:cNvSpPr>
+            <a:spLocks noGrp="1"/>
+          </p:cNvSpPr>
+          <p:nvPr>
+            <p:ph type="body" sz="quarter" idx="3"/>
+          </p:nvPr>
+        </p:nvSpPr>
+        <p:spPr>
+          <a:xfrm>
+            <a:off x="685800" y="4400550"/>
+            <a:ext cx="5486400" cy="3600450"/>
+          </a:xfrm>
+          <a:prstGeom prst="rect">
+            <a:avLst/>
+          </a:prstGeom>
+        </p:spPr>
+        <p:txBody>
+          <a:bodyPr vert="horz" lIns="91440" tIns="45720" rIns="91440" bIns="45720" rtlCol="0"/>
+          <a:lstStyle/>
+          <a:p>
+            <a:pPr lvl="0"/>
+            <a:r>
+              <a:rPr lang="zh-CN" altLang="en-US"/>
+              <a:t>单击此处编辑母版文本样式</a:t>
+            </a:r>
+          </a:p>
+          <a:p>
+            <a:pPr lvl="1"/>
+            <a:r>
+              <a:rPr lang="zh-CN" altLang="en-US"/>
+              <a:t>二级</a:t>
+            </a:r>
+          </a:p>
+          <a:p>
+            <a:pPr lvl="2"/>
+            <a:r>
+              <a:rPr lang="zh-CN" altLang="en-US"/>
+              <a:t>三级</a:t>
+            </a:r>
+          </a:p>
+          <a:p>
+            <a:pPr lvl="3"/>
+            <a:r>
+              <a:rPr lang="zh-CN" altLang="en-US"/>
+              <a:t>四级</a:t>
+            </a:r>
+          </a:p>
+          <a:p>
+            <a:pPr lvl="4"/>
+            <a:r>
+              <a:rPr lang="zh-CN" altLang="en-US"/>
+              <a:t>五级</a:t>
+            </a:r>
+          </a:p>
+        </p:txBody>
+      </p:sp>
+      <p:sp>
+        <p:nvSpPr>
+          <p:cNvPr id="6" name="页脚占位符 5"/>
+          <p:cNvSpPr>
+            <a:spLocks noGrp="1"/>
+          </p:cNvSpPr>
+          <p:nvPr>
+            <p:ph type="ftr" sz="quarter" idx="4"/>
+          </p:nvPr>
+        </p:nvSpPr>
+        <p:spPr>
+          <a:xfrm>
+            <a:off x="0" y="8685213"/>
+            <a:ext cx="2971800" cy="458787"/>
+          </a:xfrm>
+          <a:prstGeom prst="rect">
+            <a:avLst/>
+          </a:prstGeom>
+        </p:spPr>
+        <p:txBody>
+          <a:bodyPr vert="horz" lIns="91440" tIns="45720" rIns="91440" bIns="45720" rtlCol="0" anchor="b"/>
+          <a:lstStyle>
+            <a:lvl1pPr algn="l">
+              <a:defRPr sz="1200"/>
+            </a:lvl1pPr>
+          </a:lstStyle>
+          <a:p>
+            <a:endParaRPr lang="zh-CN" altLang="en-US"/>
+          </a:p>
+        </p:txBody>
+      </p:sp>
+      <p:sp>
+        <p:nvSpPr>
+          <p:cNvPr id="7" name="灯片编号占位符 6"/>
+          <p:cNvSpPr>
+            <a:spLocks noGrp="1"/>
+          </p:cNvSpPr>
+          <p:nvPr>
+            <p:ph type="sldNum" sz="quarter" idx="5"/>
+          </p:nvPr>
+        </p:nvSpPr>
+        <p:spPr>
+          <a:xfrm>
+            <a:off x="3884613" y="8685213"/>
+            <a:ext cx="2971800" cy="458787"/>
+          </a:xfrm>
+          <a:prstGeom prst="rect">
+            <a:avLst/>
+          </a:prstGeom>
+        </p:spPr>
+        <p:txBody>
+          <a:bodyPr vert="horz" lIns="91440" tIns="45720" rIns="91440" bIns="45720" rtlCol="0" anchor="b"/>
+          <a:lstStyle>
+            <a:lvl1pPr algn="r">
+              <a:defRPr sz="1200"/>
+            </a:lvl1pPr>
+          </a:lstStyle>
+          <a:p>
+            <a:fld id="{AC9D71C4-F098-4C8D-BAD0-79D8E0568BE7}" type="slidenum">
+              <a:rPr lang="zh-CN" altLang="en-US" smtClean="0"/>
+              <a:t>‹#›</a:t>
+            </a:fld>
+            <a:endParaRPr lang="zh-CN" altLang="en-US"/>
+          </a:p>
+        </p:txBody>
+      </p:sp>
+    </p:spTree>
+    <p:extLst>
+      <p:ext uri="{BB962C8B-B14F-4D97-AF65-F5344CB8AC3E}">
+        <p14:creationId xmlns:p14="http://schemas.microsoft.com/office/powerpoint/2010/main" val="343924457"/>
+      </p:ext>
+    </p:extLst>
+  </p:cSld>
+  <p:clrMap bg1="lt1" tx1="dk1" bg2="lt2" tx2="dk2" accent1="accent1" accent2="accent2" accent3="accent3" accent4="accent4" accent5="accent5" accent6="accent6" hlink="hlink" folHlink="folHlink"/>
+  <p:notesStyle>
+    <a:lvl1pPr marL="0" algn="l" defTabSz="914400" rtl="0" eaLnBrk="1" latinLnBrk="0" hangingPunct="1">
+      <a:defRPr sz="1200" kern="1200">
+        <a:solidFill>
+          <a:schemeClr val="tx1"/>
+        </a:solidFill>
+        <a:latin typeface="+mn-lt"/>
+        <a:ea typeface="+mn-ea"/>
+        <a:cs typeface="+mn-cs"/>
+      </a:defRPr>
+    </a:lvl1pPr>
+    <a:lvl2pPr marL="457200" algn="l" defTabSz="914400" rtl="0" eaLnBrk="1" latinLnBrk="0" hangingPunct="1">
+      <a:defRPr sz="1200" kern="1200">
+        <a:solidFill>
+          <a:schemeClr val="tx1"/>
+        </a:solidFill>
+        <a:latin typeface="+mn-lt"/>
+        <a:ea typeface="+mn-ea"/>
+        <a:cs typeface="+mn-cs"/>
+      </a:defRPr>
+    </a:lvl2pPr>
+    <a:lvl3pPr marL="914400" algn="l" defTabSz="914400" rtl="0" eaLnBrk="1" latinLnBrk="0" hangingPunct="1">
+      <a:defRPr sz="1200" kern="1200">
+        <a:solidFill>
+          <a:schemeClr val="tx1"/>
+        </a:solidFill>
+        <a:latin typeface="+mn-lt"/>
+        <a:ea typeface="+mn-ea"/>
+        <a:cs typeface="+mn-cs"/>
+      </a:defRPr>
+    </a:lvl3pPr>
+    <a:lvl4pPr marL="1371600" algn="l" defTabSz="914400" rtl="0" eaLnBrk="1" latinLnBrk="0" hangingPunct="1">
+      <a:defRPr sz="1200" kern="1200">
+        <a:solidFill>
+          <a:schemeClr val="tx1"/>
+        </a:solidFill>
+        <a:latin typeface="+mn-lt"/>
+        <a:ea typeface="+mn-ea"/>
+        <a:cs typeface="+mn-cs"/>
+      </a:defRPr>
+    </a:lvl4pPr>
+    <a:lvl5pPr marL="1828800" algn="l" defTabSz="914400" rtl="0" eaLnBrk="1" latinLnBrk="0" hangingPunct="1">
+      <a:defRPr sz="1200" kern="1200">
+        <a:solidFill>
+          <a:schemeClr val="tx1"/>
+        </a:solidFill>
+        <a:latin typeface="+mn-lt"/>
+        <a:ea typeface="+mn-ea"/>
+        <a:cs typeface="+mn-cs"/>
+      </a:defRPr>
+    </a:lvl5pPr>
+    <a:lvl6pPr marL="2286000" algn="l" defTabSz="914400" rtl="0" eaLnBrk="1" latinLnBrk="0" hangingPunct="1">
+      <a:defRPr sz="1200" kern="1200">
+        <a:solidFill>
+          <a:schemeClr val="tx1"/>
+        </a:solidFill>
+        <a:latin typeface="+mn-lt"/>
+        <a:ea typeface="+mn-ea"/>
+        <a:cs typeface="+mn-cs"/>
+      </a:defRPr>
+    </a:lvl6pPr>
+    <a:lvl7pPr marL="2743200" algn="l" defTabSz="914400" rtl="0" eaLnBrk="1" latinLnBrk="0" hangingPunct="1">
+      <a:defRPr sz="1200" kern="1200">
+        <a:solidFill>
+          <a:schemeClr val="tx1"/>
+        </a:solidFill>
+        <a:latin typeface="+mn-lt"/>
+        <a:ea typeface="+mn-ea"/>
+        <a:cs typeface="+mn-cs"/>
+      </a:defRPr>
+    </a:lvl7pPr>
+    <a:lvl8pPr marL="3200400" algn="l" defTabSz="914400" rtl="0" eaLnBrk="1" latinLnBrk="0" hangingPunct="1">
+      <a:defRPr sz="1200" kern="1200">
+        <a:solidFill>
+          <a:schemeClr val="tx1"/>
+        </a:solidFill>
+        <a:latin typeface="+mn-lt"/>
+        <a:ea typeface="+mn-ea"/>
+        <a:cs typeface="+mn-cs"/>
+      </a:defRPr>
+    </a:lvl8pPr>
+    <a:lvl9pPr marL="3657600" algn="l" defTabSz="914400" rtl="0" eaLnBrk="1" latinLnBrk="0" hangingPunct="1">
+      <a:defRPr sz="1200" kern="1200">
+        <a:solidFill>
+          <a:schemeClr val="tx1"/>
+        </a:solidFill>
+        <a:latin typeface="+mn-lt"/>
+        <a:ea typeface="+mn-ea"/>
+        <a:cs typeface="+mn-cs"/>
+      </a:defRPr>
+    </a:lvl9pPr>
+  </p:notesStyle>
+</p:notesMaster>
+</file>
+
+<file path=ppt/notesSlides/notesSlide1.xml><?xml version="1.0" encoding="utf-8"?>
+<p:notes xmlns:a="http://schemas.openxmlformats.org/drawingml/2006/main" xmlns:r="http://schemas.openxmlformats.org/officeDocument/2006/relationships" xmlns:p="http://schemas.openxmlformats.org/presentationml/2006/main">
+  <p:cSld>
+    <p:spTree>
+      <p:nvGrpSpPr>
+        <p:cNvPr id="1" name=""/>
+        <p:cNvGrpSpPr/>
+        <p:nvPr/>
+      </p:nvGrpSpPr>
+      <p:grpSpPr>
+        <a:xfrm>
+          <a:off x="0" y="0"/>
+          <a:ext cx="0" cy="0"/>
+          <a:chOff x="0" y="0"/>
+          <a:chExt cx="0" cy="0"/>
+        </a:xfrm>
+      </p:grpSpPr>
+      <p:sp>
+        <p:nvSpPr>
+          <p:cNvPr id="2" name="幻灯片图像占位符 1"/>
+          <p:cNvSpPr>
+            <a:spLocks noGrp="1" noRot="1" noChangeAspect="1"/>
+          </p:cNvSpPr>
+          <p:nvPr>
+            <p:ph type="sldImg"/>
+          </p:nvPr>
+        </p:nvSpPr>
+        <p:spPr/>
+      </p:sp>
+      <p:sp>
+        <p:nvSpPr>
+          <p:cNvPr id="3" name="备注占位符 2"/>
+          <p:cNvSpPr>
+            <a:spLocks noGrp="1"/>
+          </p:cNvSpPr>
+          <p:nvPr>
+            <p:ph type="body" idx="1"/>
+          </p:nvPr>
+        </p:nvSpPr>
+        <p:spPr/>
+        <p:txBody>
+          <a:bodyPr/>
+          <a:lstStyle/>
+          <a:p>
+            <a:r>
+              <a:rPr lang="en-US" altLang="zh-CN" dirty="0"/>
+              <a:t>ESIM-OFDM: trade-off between complexity, spectral efficiency and performance by the change of the number of active subcarriers</a:t>
+            </a:r>
+          </a:p>
+          <a:p>
+            <a:r>
+              <a:rPr lang="en-US" altLang="zh-CN" dirty="0"/>
+              <a:t>benefits from the frequency selectivity of the channel by exploiting subcarrier indices as a source information</a:t>
+            </a:r>
+          </a:p>
+          <a:p>
+            <a:endParaRPr lang="zh-CN" altLang="en-US" dirty="0"/>
+          </a:p>
+        </p:txBody>
+      </p:sp>
+      <p:sp>
+        <p:nvSpPr>
+          <p:cNvPr id="4" name="灯片编号占位符 3"/>
+          <p:cNvSpPr>
+            <a:spLocks noGrp="1"/>
+          </p:cNvSpPr>
+          <p:nvPr>
+            <p:ph type="sldNum" sz="quarter" idx="5"/>
+          </p:nvPr>
+        </p:nvSpPr>
+        <p:spPr/>
+        <p:txBody>
+          <a:bodyPr/>
+          <a:lstStyle/>
+          <a:p>
+            <a:fld id="{AC9D71C4-F098-4C8D-BAD0-79D8E0568BE7}" type="slidenum">
+              <a:rPr lang="zh-CN" altLang="en-US" smtClean="0"/>
+              <a:t>6</a:t>
+            </a:fld>
+            <a:endParaRPr lang="zh-CN" altLang="en-US"/>
+          </a:p>
+        </p:txBody>
+      </p:sp>
+    </p:spTree>
+    <p:extLst>
+      <p:ext uri="{BB962C8B-B14F-4D97-AF65-F5344CB8AC3E}">
+        <p14:creationId xmlns:p14="http://schemas.microsoft.com/office/powerpoint/2010/main" val="2358588145"/>
+      </p:ext>
+    </p:extLst>
+  </p:cSld>
+  <p:clrMapOvr>
+    <a:masterClrMapping/>
+  </p:clrMapOvr>
+</p:notes>
+</file>
+
+<file path=ppt/notesSlides/notesSlide2.xml><?xml version="1.0" encoding="utf-8"?>
+<p:notes xmlns:a="http://schemas.openxmlformats.org/drawingml/2006/main" xmlns:r="http://schemas.openxmlformats.org/officeDocument/2006/relationships" xmlns:p="http://schemas.openxmlformats.org/presentationml/2006/main">
+  <p:cSld>
+    <p:spTree>
+      <p:nvGrpSpPr>
+        <p:cNvPr id="1" name=""/>
+        <p:cNvGrpSpPr/>
+        <p:nvPr/>
+      </p:nvGrpSpPr>
+      <p:grpSpPr>
+        <a:xfrm>
+          <a:off x="0" y="0"/>
+          <a:ext cx="0" cy="0"/>
+          <a:chOff x="0" y="0"/>
+          <a:chExt cx="0" cy="0"/>
+        </a:xfrm>
+      </p:grpSpPr>
+      <p:sp>
+        <p:nvSpPr>
+          <p:cNvPr id="2" name="幻灯片图像占位符 1"/>
+          <p:cNvSpPr>
+            <a:spLocks noGrp="1" noRot="1" noChangeAspect="1"/>
+          </p:cNvSpPr>
+          <p:nvPr>
+            <p:ph type="sldImg"/>
+          </p:nvPr>
+        </p:nvSpPr>
+        <p:spPr/>
+      </p:sp>
+      <p:sp>
+        <p:nvSpPr>
+          <p:cNvPr id="3" name="备注占位符 2"/>
+          <p:cNvSpPr>
+            <a:spLocks noGrp="1"/>
+          </p:cNvSpPr>
+          <p:nvPr>
+            <p:ph type="body" idx="1"/>
+          </p:nvPr>
+        </p:nvSpPr>
+        <p:spPr/>
+        <p:txBody>
+          <a:bodyPr/>
+          <a:lstStyle/>
+          <a:p>
+            <a:r>
+              <a:rPr lang="en-US" altLang="zh-CN" dirty="0"/>
+              <a:t>Two fully connected layer, one hidden layer with </a:t>
+            </a:r>
+            <a:r>
+              <a:rPr lang="en-US" altLang="zh-CN" dirty="0" err="1"/>
+              <a:t>Relu</a:t>
+            </a:r>
+            <a:endParaRPr lang="en-US" altLang="zh-CN" dirty="0"/>
+          </a:p>
+          <a:p>
+            <a:r>
+              <a:rPr lang="en-US" altLang="zh-CN" dirty="0"/>
+              <a:t>Random initialize the parameter</a:t>
+            </a:r>
+          </a:p>
+          <a:p>
+            <a:r>
+              <a:rPr lang="en-US" altLang="zh-CN" dirty="0"/>
+              <a:t>With bias</a:t>
+            </a:r>
+            <a:endParaRPr lang="zh-CN" altLang="en-US" dirty="0"/>
+          </a:p>
+        </p:txBody>
+      </p:sp>
+      <p:sp>
+        <p:nvSpPr>
+          <p:cNvPr id="4" name="灯片编号占位符 3"/>
+          <p:cNvSpPr>
+            <a:spLocks noGrp="1"/>
+          </p:cNvSpPr>
+          <p:nvPr>
+            <p:ph type="sldNum" sz="quarter" idx="5"/>
+          </p:nvPr>
+        </p:nvSpPr>
+        <p:spPr/>
+        <p:txBody>
+          <a:bodyPr/>
+          <a:lstStyle/>
+          <a:p>
+            <a:fld id="{AC9D71C4-F098-4C8D-BAD0-79D8E0568BE7}" type="slidenum">
+              <a:rPr lang="zh-CN" altLang="en-US" smtClean="0"/>
+              <a:t>8</a:t>
+            </a:fld>
+            <a:endParaRPr lang="zh-CN" altLang="en-US"/>
+          </a:p>
+        </p:txBody>
+      </p:sp>
+    </p:spTree>
+    <p:extLst>
+      <p:ext uri="{BB962C8B-B14F-4D97-AF65-F5344CB8AC3E}">
+        <p14:creationId xmlns:p14="http://schemas.microsoft.com/office/powerpoint/2010/main" val="3282731045"/>
+      </p:ext>
+    </p:extLst>
+  </p:cSld>
+  <p:clrMapOvr>
+    <a:masterClrMapping/>
+  </p:clrMapOvr>
+</p:notes>
 </file>
 
 <file path=ppt/slideLayouts/slideLayout1.xml><?xml version="1.0" encoding="utf-8"?>
@@ -520,7 +833,7 @@
           <a:p>
             <a:fld id="{EC9AB52A-4037-46BC-AFDC-A55F93AAE3EC}" type="datetimeFigureOut">
               <a:rPr lang="zh-CN" altLang="en-US" smtClean="0"/>
-              <a:t>2020/1/5</a:t>
+              <a:t>2020/1/6</a:t>
             </a:fld>
             <a:endParaRPr lang="zh-CN" altLang="en-US"/>
           </a:p>
@@ -718,7 +1031,7 @@
           <a:p>
             <a:fld id="{EC9AB52A-4037-46BC-AFDC-A55F93AAE3EC}" type="datetimeFigureOut">
               <a:rPr lang="zh-CN" altLang="en-US" smtClean="0"/>
-              <a:t>2020/1/5</a:t>
+              <a:t>2020/1/6</a:t>
             </a:fld>
             <a:endParaRPr lang="zh-CN" altLang="en-US"/>
           </a:p>
@@ -926,7 +1239,7 @@
           <a:p>
             <a:fld id="{EC9AB52A-4037-46BC-AFDC-A55F93AAE3EC}" type="datetimeFigureOut">
               <a:rPr lang="zh-CN" altLang="en-US" smtClean="0"/>
-              <a:t>2020/1/5</a:t>
+              <a:t>2020/1/6</a:t>
             </a:fld>
             <a:endParaRPr lang="zh-CN" altLang="en-US"/>
           </a:p>
@@ -1124,7 +1437,7 @@
           <a:p>
             <a:fld id="{EC9AB52A-4037-46BC-AFDC-A55F93AAE3EC}" type="datetimeFigureOut">
               <a:rPr lang="zh-CN" altLang="en-US" smtClean="0"/>
-              <a:t>2020/1/5</a:t>
+              <a:t>2020/1/6</a:t>
             </a:fld>
             <a:endParaRPr lang="zh-CN" altLang="en-US"/>
           </a:p>
@@ -1399,7 +1712,7 @@
           <a:p>
             <a:fld id="{EC9AB52A-4037-46BC-AFDC-A55F93AAE3EC}" type="datetimeFigureOut">
               <a:rPr lang="zh-CN" altLang="en-US" smtClean="0"/>
-              <a:t>2020/1/5</a:t>
+              <a:t>2020/1/6</a:t>
             </a:fld>
             <a:endParaRPr lang="zh-CN" altLang="en-US"/>
           </a:p>
@@ -1664,7 +1977,7 @@
           <a:p>
             <a:fld id="{EC9AB52A-4037-46BC-AFDC-A55F93AAE3EC}" type="datetimeFigureOut">
               <a:rPr lang="zh-CN" altLang="en-US" smtClean="0"/>
-              <a:t>2020/1/5</a:t>
+              <a:t>2020/1/6</a:t>
             </a:fld>
             <a:endParaRPr lang="zh-CN" altLang="en-US"/>
           </a:p>
@@ -2076,7 +2389,7 @@
           <a:p>
             <a:fld id="{EC9AB52A-4037-46BC-AFDC-A55F93AAE3EC}" type="datetimeFigureOut">
               <a:rPr lang="zh-CN" altLang="en-US" smtClean="0"/>
-              <a:t>2020/1/5</a:t>
+              <a:t>2020/1/6</a:t>
             </a:fld>
             <a:endParaRPr lang="zh-CN" altLang="en-US"/>
           </a:p>
@@ -2217,7 +2530,7 @@
           <a:p>
             <a:fld id="{EC9AB52A-4037-46BC-AFDC-A55F93AAE3EC}" type="datetimeFigureOut">
               <a:rPr lang="zh-CN" altLang="en-US" smtClean="0"/>
-              <a:t>2020/1/5</a:t>
+              <a:t>2020/1/6</a:t>
             </a:fld>
             <a:endParaRPr lang="zh-CN" altLang="en-US"/>
           </a:p>
@@ -2330,7 +2643,7 @@
           <a:p>
             <a:fld id="{EC9AB52A-4037-46BC-AFDC-A55F93AAE3EC}" type="datetimeFigureOut">
               <a:rPr lang="zh-CN" altLang="en-US" smtClean="0"/>
-              <a:t>2020/1/5</a:t>
+              <a:t>2020/1/6</a:t>
             </a:fld>
             <a:endParaRPr lang="zh-CN" altLang="en-US"/>
           </a:p>
@@ -2641,7 +2954,7 @@
           <a:p>
             <a:fld id="{EC9AB52A-4037-46BC-AFDC-A55F93AAE3EC}" type="datetimeFigureOut">
               <a:rPr lang="zh-CN" altLang="en-US" smtClean="0"/>
-              <a:t>2020/1/5</a:t>
+              <a:t>2020/1/6</a:t>
             </a:fld>
             <a:endParaRPr lang="zh-CN" altLang="en-US"/>
           </a:p>
@@ -2929,7 +3242,7 @@
           <a:p>
             <a:fld id="{EC9AB52A-4037-46BC-AFDC-A55F93AAE3EC}" type="datetimeFigureOut">
               <a:rPr lang="zh-CN" altLang="en-US" smtClean="0"/>
-              <a:t>2020/1/5</a:t>
+              <a:t>2020/1/6</a:t>
             </a:fld>
             <a:endParaRPr lang="zh-CN" altLang="en-US"/>
           </a:p>
@@ -3170,7 +3483,7 @@
           <a:p>
             <a:fld id="{EC9AB52A-4037-46BC-AFDC-A55F93AAE3EC}" type="datetimeFigureOut">
               <a:rPr lang="zh-CN" altLang="en-US" smtClean="0"/>
-              <a:t>2020/1/5</a:t>
+              <a:t>2020/1/6</a:t>
             </a:fld>
             <a:endParaRPr lang="zh-CN" altLang="en-US"/>
           </a:p>
@@ -3573,6 +3886,11 @@
 <file path=ppt/slides/slide1.xml><?xml version="1.0" encoding="utf-8"?>
 <p:sld xmlns:a="http://schemas.openxmlformats.org/drawingml/2006/main" xmlns:r="http://schemas.openxmlformats.org/officeDocument/2006/relationships" xmlns:p="http://schemas.openxmlformats.org/presentationml/2006/main">
   <p:cSld>
+    <p:bg>
+      <p:bgRef idx="1001">
+        <a:schemeClr val="bg1"/>
+      </p:bgRef>
+    </p:bg>
     <p:spTree>
       <p:nvGrpSpPr>
         <p:cNvPr id="1" name=""/>
@@ -3602,7 +3920,7 @@
           <p:nvPr/>
         </p:nvPicPr>
         <p:blipFill>
-          <a:blip r:embed="rId2">
+          <a:blip r:embed="rId3">
             <a:extLst>
               <a:ext uri="{28A0092B-C50C-407E-A947-70E740481C1C}">
                 <a14:useLocalDpi xmlns:a14="http://schemas.microsoft.com/office/drawing/2010/main" val="0"/>
@@ -3743,8 +4061,8 @@
         </p:nvSpPr>
         <p:spPr>
           <a:xfrm>
-            <a:off x="0" y="6396335"/>
-            <a:ext cx="10124388" cy="461665"/>
+            <a:off x="408791" y="6396335"/>
+            <a:ext cx="11360076" cy="461665"/>
           </a:xfrm>
           <a:prstGeom prst="rect">
             <a:avLst/>
@@ -3841,6 +4159,1114 @@
     <p:extLst>
       <p:ext uri="{BB962C8B-B14F-4D97-AF65-F5344CB8AC3E}">
         <p14:creationId xmlns:p14="http://schemas.microsoft.com/office/powerpoint/2010/main" val="2525725885"/>
+      </p:ext>
+    </p:extLst>
+  </p:cSld>
+  <p:clrMapOvr>
+    <a:overrideClrMapping bg1="lt1" tx1="dk1" bg2="lt2" tx2="dk2" accent1="accent1" accent2="accent2" accent3="accent3" accent4="accent4" accent5="accent5" accent6="accent6" hlink="hlink" folHlink="folHlink"/>
+  </p:clrMapOvr>
+</p:sld>
+</file>
+
+<file path=ppt/slides/slide10.xml><?xml version="1.0" encoding="utf-8"?>
+<p:sld xmlns:a="http://schemas.openxmlformats.org/drawingml/2006/main" xmlns:r="http://schemas.openxmlformats.org/officeDocument/2006/relationships" xmlns:p="http://schemas.openxmlformats.org/presentationml/2006/main">
+  <p:cSld>
+    <p:spTree>
+      <p:nvGrpSpPr>
+        <p:cNvPr id="1" name=""/>
+        <p:cNvGrpSpPr/>
+        <p:nvPr/>
+      </p:nvGrpSpPr>
+      <p:grpSpPr>
+        <a:xfrm>
+          <a:off x="0" y="0"/>
+          <a:ext cx="0" cy="0"/>
+          <a:chOff x="0" y="0"/>
+          <a:chExt cx="0" cy="0"/>
+        </a:xfrm>
+      </p:grpSpPr>
+      <p:sp>
+        <p:nvSpPr>
+          <p:cNvPr id="2" name="标题 1">
+            <a:extLst>
+              <a:ext uri="{FF2B5EF4-FFF2-40B4-BE49-F238E27FC236}">
+                <a16:creationId xmlns:a16="http://schemas.microsoft.com/office/drawing/2014/main" id="{B9852A83-D7A9-4497-BF7A-9FCC4BABEE10}"/>
+              </a:ext>
+            </a:extLst>
+          </p:cNvPr>
+          <p:cNvSpPr>
+            <a:spLocks noGrp="1"/>
+          </p:cNvSpPr>
+          <p:nvPr>
+            <p:ph type="title"/>
+          </p:nvPr>
+        </p:nvSpPr>
+        <p:spPr>
+          <a:xfrm>
+            <a:off x="515471" y="350181"/>
+            <a:ext cx="10515600" cy="1325563"/>
+          </a:xfrm>
+        </p:spPr>
+        <p:txBody>
+          <a:bodyPr>
+            <a:normAutofit/>
+          </a:bodyPr>
+          <a:lstStyle/>
+          <a:p>
+            <a:r>
+              <a:rPr lang="en-US" altLang="zh-CN" sz="3600" dirty="0"/>
+              <a:t>Simulation Result (2)</a:t>
+            </a:r>
+            <a:br>
+              <a:rPr lang="en-US" altLang="zh-CN" sz="3600" dirty="0"/>
+            </a:br>
+            <a:r>
+              <a:rPr lang="en-US" altLang="zh-CN" sz="3600" dirty="0"/>
+              <a:t>BER under perfect CSI condition</a:t>
+            </a:r>
+            <a:endParaRPr lang="zh-CN" altLang="en-US" sz="3600" dirty="0"/>
+          </a:p>
+        </p:txBody>
+      </p:sp>
+      <p:pic>
+        <p:nvPicPr>
+          <p:cNvPr id="4" name="图片 3">
+            <a:extLst>
+              <a:ext uri="{FF2B5EF4-FFF2-40B4-BE49-F238E27FC236}">
+                <a16:creationId xmlns:a16="http://schemas.microsoft.com/office/drawing/2014/main" id="{B4C8A051-F6C6-4F24-BBEB-DE4580FB7C99}"/>
+              </a:ext>
+            </a:extLst>
+          </p:cNvPr>
+          <p:cNvPicPr>
+            <a:picLocks noChangeAspect="1"/>
+          </p:cNvPicPr>
+          <p:nvPr/>
+        </p:nvPicPr>
+        <p:blipFill>
+          <a:blip r:embed="rId2"/>
+          <a:stretch>
+            <a:fillRect/>
+          </a:stretch>
+        </p:blipFill>
+        <p:spPr>
+          <a:xfrm>
+            <a:off x="329152" y="1690688"/>
+            <a:ext cx="5600062" cy="4125650"/>
+          </a:xfrm>
+          <a:prstGeom prst="rect">
+            <a:avLst/>
+          </a:prstGeom>
+        </p:spPr>
+      </p:pic>
+      <p:sp>
+        <p:nvSpPr>
+          <p:cNvPr id="5" name="文本框 4">
+            <a:extLst>
+              <a:ext uri="{FF2B5EF4-FFF2-40B4-BE49-F238E27FC236}">
+                <a16:creationId xmlns:a16="http://schemas.microsoft.com/office/drawing/2014/main" id="{636ABC40-7272-4F0F-BBFE-260AD6C8A65E}"/>
+              </a:ext>
+            </a:extLst>
+          </p:cNvPr>
+          <p:cNvSpPr txBox="1"/>
+          <p:nvPr/>
+        </p:nvSpPr>
+        <p:spPr>
+          <a:xfrm>
+            <a:off x="418530" y="6088559"/>
+            <a:ext cx="11354940" cy="769441"/>
+          </a:xfrm>
+          <a:prstGeom prst="rect">
+            <a:avLst/>
+          </a:prstGeom>
+          <a:noFill/>
+        </p:spPr>
+        <p:txBody>
+          <a:bodyPr wrap="square" rtlCol="0">
+            <a:spAutoFit/>
+          </a:bodyPr>
+          <a:lstStyle/>
+          <a:p>
+            <a:r>
+              <a:rPr lang="en-US" altLang="zh-CN" sz="1100" dirty="0"/>
+              <a:t>[1] E. </a:t>
+            </a:r>
+            <a:r>
+              <a:rPr lang="en-US" altLang="zh-CN" sz="1100" dirty="0" err="1"/>
+              <a:t>Başar</a:t>
+            </a:r>
+            <a:r>
+              <a:rPr lang="en-US" altLang="zh-CN" sz="1100" dirty="0"/>
+              <a:t>, Ü. </a:t>
+            </a:r>
+            <a:r>
+              <a:rPr lang="en-US" altLang="zh-CN" sz="1100" dirty="0" err="1"/>
+              <a:t>Aygölü</a:t>
+            </a:r>
+            <a:r>
+              <a:rPr lang="en-US" altLang="zh-CN" sz="1100" dirty="0"/>
+              <a:t>, E. </a:t>
+            </a:r>
+            <a:r>
+              <a:rPr lang="en-US" altLang="zh-CN" sz="1100" dirty="0" err="1"/>
+              <a:t>Panayırcı</a:t>
+            </a:r>
+            <a:r>
+              <a:rPr lang="en-US" altLang="zh-CN" sz="1100" dirty="0"/>
+              <a:t> and H. V. Poor, "Orthogonal Frequency Division Multiplexing With Index Modulation," in IEEE Transactions on Signal Processing, vol. 61, no. 22, pp. 5536-5549, Nov.15, 2013.</a:t>
+            </a:r>
+          </a:p>
+          <a:p>
+            <a:r>
+              <a:rPr lang="en-US" altLang="zh-CN" sz="1100" dirty="0">
+                <a:solidFill>
+                  <a:srgbClr val="000000"/>
+                </a:solidFill>
+                <a:latin typeface="+mn-ea"/>
+              </a:rPr>
+              <a:t>[2] T. V. Luong, Y. Ko, N. A. </a:t>
+            </a:r>
+            <a:r>
+              <a:rPr lang="en-US" altLang="zh-CN" sz="1100" dirty="0" err="1">
+                <a:solidFill>
+                  <a:srgbClr val="000000"/>
+                </a:solidFill>
+                <a:latin typeface="+mn-ea"/>
+              </a:rPr>
+              <a:t>Vien</a:t>
+            </a:r>
+            <a:r>
+              <a:rPr lang="en-US" altLang="zh-CN" sz="1100" dirty="0">
+                <a:solidFill>
+                  <a:srgbClr val="000000"/>
+                </a:solidFill>
+                <a:latin typeface="+mn-ea"/>
+              </a:rPr>
+              <a:t>, D. H. N. Nguyen and M. </a:t>
+            </a:r>
+            <a:r>
+              <a:rPr lang="en-US" altLang="zh-CN" sz="1100" dirty="0" err="1">
+                <a:solidFill>
+                  <a:srgbClr val="000000"/>
+                </a:solidFill>
+                <a:latin typeface="+mn-ea"/>
+              </a:rPr>
+              <a:t>Matthaiou</a:t>
+            </a:r>
+            <a:r>
+              <a:rPr lang="en-US" altLang="zh-CN" sz="1100" dirty="0">
+                <a:solidFill>
+                  <a:srgbClr val="000000"/>
+                </a:solidFill>
+                <a:latin typeface="+mn-ea"/>
+              </a:rPr>
+              <a:t>, "Deep Learning-Based Detector for OFDM-IM," in </a:t>
+            </a:r>
+            <a:r>
+              <a:rPr lang="en-US" altLang="zh-CN" sz="1100" i="1" dirty="0">
+                <a:solidFill>
+                  <a:srgbClr val="000000"/>
+                </a:solidFill>
+                <a:latin typeface="+mn-ea"/>
+              </a:rPr>
+              <a:t>IEEE Wireless Communications Letters</a:t>
+            </a:r>
+            <a:r>
+              <a:rPr lang="en-US" altLang="zh-CN" sz="1100" dirty="0">
+                <a:solidFill>
+                  <a:srgbClr val="000000"/>
+                </a:solidFill>
+                <a:latin typeface="+mn-ea"/>
+              </a:rPr>
+              <a:t>, vol. 8, no. 4, pp. 1159-1162, Aug. 2019.</a:t>
+            </a:r>
+            <a:endParaRPr lang="zh-CN" altLang="en-US" sz="1100" dirty="0">
+              <a:latin typeface="+mn-ea"/>
+            </a:endParaRPr>
+          </a:p>
+        </p:txBody>
+      </p:sp>
+      <p:pic>
+        <p:nvPicPr>
+          <p:cNvPr id="3" name="图片 2">
+            <a:extLst>
+              <a:ext uri="{FF2B5EF4-FFF2-40B4-BE49-F238E27FC236}">
+                <a16:creationId xmlns:a16="http://schemas.microsoft.com/office/drawing/2014/main" id="{8E28EF6E-9C5B-4EF8-B9F6-2367C6264AB4}"/>
+              </a:ext>
+            </a:extLst>
+          </p:cNvPr>
+          <p:cNvPicPr>
+            <a:picLocks noChangeAspect="1"/>
+          </p:cNvPicPr>
+          <p:nvPr/>
+        </p:nvPicPr>
+        <p:blipFill>
+          <a:blip r:embed="rId3"/>
+          <a:stretch>
+            <a:fillRect/>
+          </a:stretch>
+        </p:blipFill>
+        <p:spPr>
+          <a:xfrm>
+            <a:off x="6262788" y="1768509"/>
+            <a:ext cx="5510682" cy="3948990"/>
+          </a:xfrm>
+          <a:prstGeom prst="rect">
+            <a:avLst/>
+          </a:prstGeom>
+        </p:spPr>
+      </p:pic>
+      <p:sp>
+        <p:nvSpPr>
+          <p:cNvPr id="6" name="矩形 5">
+            <a:extLst>
+              <a:ext uri="{FF2B5EF4-FFF2-40B4-BE49-F238E27FC236}">
+                <a16:creationId xmlns:a16="http://schemas.microsoft.com/office/drawing/2014/main" id="{516C8B1F-7863-4654-9D01-C2B5F4455AF6}"/>
+              </a:ext>
+            </a:extLst>
+          </p:cNvPr>
+          <p:cNvSpPr/>
+          <p:nvPr/>
+        </p:nvSpPr>
+        <p:spPr>
+          <a:xfrm>
+            <a:off x="6780904" y="257416"/>
+            <a:ext cx="5411096" cy="1200329"/>
+          </a:xfrm>
+          <a:prstGeom prst="rect">
+            <a:avLst/>
+          </a:prstGeom>
+        </p:spPr>
+        <p:txBody>
+          <a:bodyPr wrap="square">
+            <a:spAutoFit/>
+          </a:bodyPr>
+          <a:lstStyle/>
+          <a:p>
+            <a:r>
+              <a:rPr lang="en-US" altLang="zh-CN" dirty="0">
+                <a:solidFill>
+                  <a:srgbClr val="000000"/>
+                </a:solidFill>
+                <a:latin typeface="Courier New" panose="02070309020205020404" pitchFamily="49" charset="0"/>
+              </a:rPr>
+              <a:t>N = </a:t>
+            </a:r>
+            <a:r>
+              <a:rPr lang="en-US" altLang="zh-CN" dirty="0">
+                <a:solidFill>
+                  <a:srgbClr val="09885A"/>
+                </a:solidFill>
+                <a:latin typeface="Courier New" panose="02070309020205020404" pitchFamily="49" charset="0"/>
+              </a:rPr>
+              <a:t>4</a:t>
+            </a:r>
+            <a:r>
+              <a:rPr lang="en-US" altLang="zh-CN" dirty="0">
+                <a:solidFill>
+                  <a:srgbClr val="000000"/>
+                </a:solidFill>
+                <a:latin typeface="Courier New" panose="02070309020205020404" pitchFamily="49" charset="0"/>
+              </a:rPr>
+              <a:t> </a:t>
+            </a:r>
+            <a:r>
+              <a:rPr lang="en-US" altLang="zh-CN" dirty="0">
+                <a:solidFill>
+                  <a:srgbClr val="008000"/>
+                </a:solidFill>
+                <a:latin typeface="Courier New" panose="02070309020205020404" pitchFamily="49" charset="0"/>
+              </a:rPr>
+              <a:t># number of sub-carriers</a:t>
+            </a:r>
+            <a:endParaRPr lang="en-US" altLang="zh-CN" dirty="0">
+              <a:solidFill>
+                <a:srgbClr val="000000"/>
+              </a:solidFill>
+              <a:latin typeface="Courier New" panose="02070309020205020404" pitchFamily="49" charset="0"/>
+            </a:endParaRPr>
+          </a:p>
+          <a:p>
+            <a:r>
+              <a:rPr lang="en-US" altLang="zh-CN" dirty="0">
+                <a:solidFill>
+                  <a:srgbClr val="000000"/>
+                </a:solidFill>
+                <a:latin typeface="Courier New" panose="02070309020205020404" pitchFamily="49" charset="0"/>
+              </a:rPr>
+              <a:t>K = </a:t>
+            </a:r>
+            <a:r>
+              <a:rPr lang="en-US" altLang="zh-CN" dirty="0">
+                <a:solidFill>
+                  <a:srgbClr val="09885A"/>
+                </a:solidFill>
+                <a:latin typeface="Courier New" panose="02070309020205020404" pitchFamily="49" charset="0"/>
+              </a:rPr>
+              <a:t>1</a:t>
+            </a:r>
+            <a:r>
+              <a:rPr lang="en-US" altLang="zh-CN" dirty="0">
+                <a:solidFill>
+                  <a:srgbClr val="000000"/>
+                </a:solidFill>
+                <a:latin typeface="Courier New" panose="02070309020205020404" pitchFamily="49" charset="0"/>
+              </a:rPr>
+              <a:t> </a:t>
+            </a:r>
+            <a:r>
+              <a:rPr lang="en-US" altLang="zh-CN" dirty="0">
+                <a:solidFill>
+                  <a:srgbClr val="008000"/>
+                </a:solidFill>
+                <a:latin typeface="Courier New" panose="02070309020205020404" pitchFamily="49" charset="0"/>
+              </a:rPr>
+              <a:t># number of active sub-carriers</a:t>
+            </a:r>
+            <a:endParaRPr lang="en-US" altLang="zh-CN" dirty="0">
+              <a:solidFill>
+                <a:srgbClr val="000000"/>
+              </a:solidFill>
+              <a:latin typeface="Courier New" panose="02070309020205020404" pitchFamily="49" charset="0"/>
+            </a:endParaRPr>
+          </a:p>
+          <a:p>
+            <a:r>
+              <a:rPr lang="en-US" altLang="zh-CN" dirty="0">
+                <a:solidFill>
+                  <a:srgbClr val="000000"/>
+                </a:solidFill>
+                <a:latin typeface="Courier New" panose="02070309020205020404" pitchFamily="49" charset="0"/>
+              </a:rPr>
+              <a:t>M = </a:t>
+            </a:r>
+            <a:r>
+              <a:rPr lang="en-US" altLang="zh-CN" dirty="0">
+                <a:solidFill>
+                  <a:srgbClr val="09885A"/>
+                </a:solidFill>
+                <a:latin typeface="Courier New" panose="02070309020205020404" pitchFamily="49" charset="0"/>
+              </a:rPr>
+              <a:t>4</a:t>
+            </a:r>
+            <a:r>
+              <a:rPr lang="en-US" altLang="zh-CN" dirty="0">
+                <a:solidFill>
+                  <a:srgbClr val="000000"/>
+                </a:solidFill>
+                <a:latin typeface="Courier New" panose="02070309020205020404" pitchFamily="49" charset="0"/>
+              </a:rPr>
+              <a:t> </a:t>
+            </a:r>
+            <a:r>
+              <a:rPr lang="en-US" altLang="zh-CN" dirty="0">
+                <a:solidFill>
+                  <a:srgbClr val="008000"/>
+                </a:solidFill>
+                <a:latin typeface="Courier New" panose="02070309020205020404" pitchFamily="49" charset="0"/>
+              </a:rPr>
+              <a:t># M-</a:t>
+            </a:r>
+            <a:r>
+              <a:rPr lang="en-US" altLang="zh-CN" dirty="0" err="1">
+                <a:solidFill>
+                  <a:srgbClr val="008000"/>
+                </a:solidFill>
+                <a:latin typeface="Courier New" panose="02070309020205020404" pitchFamily="49" charset="0"/>
+              </a:rPr>
+              <a:t>ary</a:t>
+            </a:r>
+            <a:r>
+              <a:rPr lang="en-US" altLang="zh-CN" dirty="0">
+                <a:solidFill>
+                  <a:srgbClr val="008000"/>
+                </a:solidFill>
+                <a:latin typeface="Courier New" panose="02070309020205020404" pitchFamily="49" charset="0"/>
+              </a:rPr>
+              <a:t> modulation order</a:t>
+            </a:r>
+          </a:p>
+          <a:p>
+            <a:r>
+              <a:rPr lang="en-US" altLang="zh-CN" dirty="0" err="1"/>
+              <a:t>SNRdb</a:t>
+            </a:r>
+            <a:r>
+              <a:rPr lang="en-US" altLang="zh-CN" dirty="0"/>
+              <a:t> = 10 </a:t>
+            </a:r>
+            <a:r>
+              <a:rPr lang="en-US" altLang="zh-CN" dirty="0">
+                <a:solidFill>
+                  <a:srgbClr val="008000"/>
+                </a:solidFill>
+                <a:latin typeface="Courier New" panose="02070309020205020404" pitchFamily="49" charset="0"/>
+              </a:rPr>
+              <a:t># Training SNR</a:t>
+            </a:r>
+          </a:p>
+        </p:txBody>
+      </p:sp>
+    </p:spTree>
+    <p:extLst>
+      <p:ext uri="{BB962C8B-B14F-4D97-AF65-F5344CB8AC3E}">
+        <p14:creationId xmlns:p14="http://schemas.microsoft.com/office/powerpoint/2010/main" val="2559026302"/>
+      </p:ext>
+    </p:extLst>
+  </p:cSld>
+  <p:clrMapOvr>
+    <a:masterClrMapping/>
+  </p:clrMapOvr>
+</p:sld>
+</file>
+
+<file path=ppt/slides/slide11.xml><?xml version="1.0" encoding="utf-8"?>
+<p:sld xmlns:a="http://schemas.openxmlformats.org/drawingml/2006/main" xmlns:r="http://schemas.openxmlformats.org/officeDocument/2006/relationships" xmlns:p="http://schemas.openxmlformats.org/presentationml/2006/main">
+  <p:cSld>
+    <p:spTree>
+      <p:nvGrpSpPr>
+        <p:cNvPr id="1" name=""/>
+        <p:cNvGrpSpPr/>
+        <p:nvPr/>
+      </p:nvGrpSpPr>
+      <p:grpSpPr>
+        <a:xfrm>
+          <a:off x="0" y="0"/>
+          <a:ext cx="0" cy="0"/>
+          <a:chOff x="0" y="0"/>
+          <a:chExt cx="0" cy="0"/>
+        </a:xfrm>
+      </p:grpSpPr>
+      <p:sp>
+        <p:nvSpPr>
+          <p:cNvPr id="2" name="标题 1">
+            <a:extLst>
+              <a:ext uri="{FF2B5EF4-FFF2-40B4-BE49-F238E27FC236}">
+                <a16:creationId xmlns:a16="http://schemas.microsoft.com/office/drawing/2014/main" id="{069FB6E9-2CE7-49C7-829D-D1EEF6E6600E}"/>
+              </a:ext>
+            </a:extLst>
+          </p:cNvPr>
+          <p:cNvSpPr>
+            <a:spLocks noGrp="1"/>
+          </p:cNvSpPr>
+          <p:nvPr>
+            <p:ph type="title"/>
+          </p:nvPr>
+        </p:nvSpPr>
+        <p:spPr/>
+        <p:txBody>
+          <a:bodyPr/>
+          <a:lstStyle/>
+          <a:p>
+            <a:r>
+              <a:rPr lang="en-US" altLang="zh-CN" dirty="0"/>
+              <a:t>Simulation Result (3)</a:t>
+            </a:r>
+            <a:br>
+              <a:rPr lang="en-US" altLang="zh-CN" dirty="0"/>
+            </a:br>
+            <a:r>
+              <a:rPr lang="en-US" altLang="zh-CN" dirty="0"/>
+              <a:t>BER under perfect CSI condition</a:t>
+            </a:r>
+            <a:endParaRPr lang="zh-CN" altLang="en-US" dirty="0"/>
+          </a:p>
+        </p:txBody>
+      </p:sp>
+      <p:grpSp>
+        <p:nvGrpSpPr>
+          <p:cNvPr id="5" name="组合 4">
+            <a:extLst>
+              <a:ext uri="{FF2B5EF4-FFF2-40B4-BE49-F238E27FC236}">
+                <a16:creationId xmlns:a16="http://schemas.microsoft.com/office/drawing/2014/main" id="{FD7FC0DB-60D5-49A4-98AB-5FF4F9AC53C5}"/>
+              </a:ext>
+            </a:extLst>
+          </p:cNvPr>
+          <p:cNvGrpSpPr/>
+          <p:nvPr/>
+        </p:nvGrpSpPr>
+        <p:grpSpPr>
+          <a:xfrm>
+            <a:off x="508261" y="2078337"/>
+            <a:ext cx="4953000" cy="3719347"/>
+            <a:chOff x="508261" y="2078337"/>
+            <a:chExt cx="4953000" cy="3719347"/>
+          </a:xfrm>
+        </p:grpSpPr>
+        <p:pic>
+          <p:nvPicPr>
+            <p:cNvPr id="4" name="图片 3">
+              <a:extLst>
+                <a:ext uri="{FF2B5EF4-FFF2-40B4-BE49-F238E27FC236}">
+                  <a16:creationId xmlns:a16="http://schemas.microsoft.com/office/drawing/2014/main" id="{9B1EDC1A-437B-4E7C-81F1-BB5DEDC2E8D6}"/>
+                </a:ext>
+              </a:extLst>
+            </p:cNvPr>
+            <p:cNvPicPr>
+              <a:picLocks noChangeAspect="1"/>
+            </p:cNvPicPr>
+            <p:nvPr/>
+          </p:nvPicPr>
+          <p:blipFill>
+            <a:blip r:embed="rId2"/>
+            <a:stretch>
+              <a:fillRect/>
+            </a:stretch>
+          </p:blipFill>
+          <p:spPr>
+            <a:xfrm>
+              <a:off x="508261" y="2078337"/>
+              <a:ext cx="4953000" cy="3147032"/>
+            </a:xfrm>
+            <a:prstGeom prst="rect">
+              <a:avLst/>
+            </a:prstGeom>
+          </p:spPr>
+        </p:pic>
+        <p:sp>
+          <p:nvSpPr>
+            <p:cNvPr id="3" name="文本框 2">
+              <a:extLst>
+                <a:ext uri="{FF2B5EF4-FFF2-40B4-BE49-F238E27FC236}">
+                  <a16:creationId xmlns:a16="http://schemas.microsoft.com/office/drawing/2014/main" id="{8C6F8F3B-648C-4612-BCE6-E88F2723F66D}"/>
+                </a:ext>
+              </a:extLst>
+            </p:cNvPr>
+            <p:cNvSpPr txBox="1"/>
+            <p:nvPr/>
+          </p:nvSpPr>
+          <p:spPr>
+            <a:xfrm>
+              <a:off x="1846624" y="5428352"/>
+              <a:ext cx="2276273" cy="369332"/>
+            </a:xfrm>
+            <a:prstGeom prst="rect">
+              <a:avLst/>
+            </a:prstGeom>
+            <a:noFill/>
+          </p:spPr>
+          <p:txBody>
+            <a:bodyPr wrap="square" rtlCol="0">
+              <a:spAutoFit/>
+            </a:bodyPr>
+            <a:lstStyle/>
+            <a:p>
+              <a:r>
+                <a:rPr lang="en-US" altLang="zh-CN" dirty="0"/>
+                <a:t>Training Epoch = 10</a:t>
+              </a:r>
+              <a:endParaRPr lang="zh-CN" altLang="en-US" dirty="0"/>
+            </a:p>
+          </p:txBody>
+        </p:sp>
+      </p:grpSp>
+      <p:grpSp>
+        <p:nvGrpSpPr>
+          <p:cNvPr id="8" name="组合 7">
+            <a:extLst>
+              <a:ext uri="{FF2B5EF4-FFF2-40B4-BE49-F238E27FC236}">
+                <a16:creationId xmlns:a16="http://schemas.microsoft.com/office/drawing/2014/main" id="{942ACBD3-9D65-4331-A6F7-51F3A036FE75}"/>
+              </a:ext>
+            </a:extLst>
+          </p:cNvPr>
+          <p:cNvGrpSpPr/>
+          <p:nvPr/>
+        </p:nvGrpSpPr>
+        <p:grpSpPr>
+          <a:xfrm>
+            <a:off x="6400801" y="2042040"/>
+            <a:ext cx="4952999" cy="3755644"/>
+            <a:chOff x="5749497" y="2042040"/>
+            <a:chExt cx="4952999" cy="3755644"/>
+          </a:xfrm>
+        </p:grpSpPr>
+        <p:pic>
+          <p:nvPicPr>
+            <p:cNvPr id="6" name="图片 5">
+              <a:extLst>
+                <a:ext uri="{FF2B5EF4-FFF2-40B4-BE49-F238E27FC236}">
+                  <a16:creationId xmlns:a16="http://schemas.microsoft.com/office/drawing/2014/main" id="{8F95554F-215F-4F37-A927-96E5F209396F}"/>
+                </a:ext>
+              </a:extLst>
+            </p:cNvPr>
+            <p:cNvPicPr>
+              <a:picLocks noChangeAspect="1"/>
+            </p:cNvPicPr>
+            <p:nvPr/>
+          </p:nvPicPr>
+          <p:blipFill>
+            <a:blip r:embed="rId3"/>
+            <a:stretch>
+              <a:fillRect/>
+            </a:stretch>
+          </p:blipFill>
+          <p:spPr>
+            <a:xfrm>
+              <a:off x="5749497" y="2042040"/>
+              <a:ext cx="4952999" cy="3213710"/>
+            </a:xfrm>
+            <a:prstGeom prst="rect">
+              <a:avLst/>
+            </a:prstGeom>
+          </p:spPr>
+        </p:pic>
+        <p:sp>
+          <p:nvSpPr>
+            <p:cNvPr id="7" name="文本框 6">
+              <a:extLst>
+                <a:ext uri="{FF2B5EF4-FFF2-40B4-BE49-F238E27FC236}">
+                  <a16:creationId xmlns:a16="http://schemas.microsoft.com/office/drawing/2014/main" id="{051117EC-5FEC-41E7-8D04-59A2A07FC84B}"/>
+                </a:ext>
+              </a:extLst>
+            </p:cNvPr>
+            <p:cNvSpPr txBox="1"/>
+            <p:nvPr/>
+          </p:nvSpPr>
+          <p:spPr>
+            <a:xfrm>
+              <a:off x="7249212" y="5428352"/>
+              <a:ext cx="2403836" cy="369332"/>
+            </a:xfrm>
+            <a:prstGeom prst="rect">
+              <a:avLst/>
+            </a:prstGeom>
+            <a:noFill/>
+          </p:spPr>
+          <p:txBody>
+            <a:bodyPr wrap="square" rtlCol="0">
+              <a:spAutoFit/>
+            </a:bodyPr>
+            <a:lstStyle/>
+            <a:p>
+              <a:r>
+                <a:rPr lang="en-US" altLang="zh-CN" dirty="0"/>
+                <a:t>Training Epoch = 100</a:t>
+              </a:r>
+              <a:endParaRPr lang="zh-CN" altLang="en-US" dirty="0"/>
+            </a:p>
+          </p:txBody>
+        </p:sp>
+      </p:grpSp>
+    </p:spTree>
+    <p:extLst>
+      <p:ext uri="{BB962C8B-B14F-4D97-AF65-F5344CB8AC3E}">
+        <p14:creationId xmlns:p14="http://schemas.microsoft.com/office/powerpoint/2010/main" val="2546605195"/>
+      </p:ext>
+    </p:extLst>
+  </p:cSld>
+  <p:clrMapOvr>
+    <a:masterClrMapping/>
+  </p:clrMapOvr>
+</p:sld>
+</file>
+
+<file path=ppt/slides/slide12.xml><?xml version="1.0" encoding="utf-8"?>
+<p:sld xmlns:a="http://schemas.openxmlformats.org/drawingml/2006/main" xmlns:r="http://schemas.openxmlformats.org/officeDocument/2006/relationships" xmlns:p="http://schemas.openxmlformats.org/presentationml/2006/main">
+  <p:cSld>
+    <p:spTree>
+      <p:nvGrpSpPr>
+        <p:cNvPr id="1" name=""/>
+        <p:cNvGrpSpPr/>
+        <p:nvPr/>
+      </p:nvGrpSpPr>
+      <p:grpSpPr>
+        <a:xfrm>
+          <a:off x="0" y="0"/>
+          <a:ext cx="0" cy="0"/>
+          <a:chOff x="0" y="0"/>
+          <a:chExt cx="0" cy="0"/>
+        </a:xfrm>
+      </p:grpSpPr>
+      <p:sp>
+        <p:nvSpPr>
+          <p:cNvPr id="2" name="标题 1">
+            <a:extLst>
+              <a:ext uri="{FF2B5EF4-FFF2-40B4-BE49-F238E27FC236}">
+                <a16:creationId xmlns:a16="http://schemas.microsoft.com/office/drawing/2014/main" id="{0A323A61-68E6-4B7D-AD40-579CB9F1B53A}"/>
+              </a:ext>
+            </a:extLst>
+          </p:cNvPr>
+          <p:cNvSpPr>
+            <a:spLocks noGrp="1"/>
+          </p:cNvSpPr>
+          <p:nvPr>
+            <p:ph type="title"/>
+          </p:nvPr>
+        </p:nvSpPr>
+        <p:spPr/>
+        <p:txBody>
+          <a:bodyPr/>
+          <a:lstStyle/>
+          <a:p>
+            <a:r>
+              <a:rPr lang="en-US" altLang="zh-CN" dirty="0"/>
+              <a:t>Simulation Result (4)</a:t>
+            </a:r>
+            <a:br>
+              <a:rPr lang="en-US" altLang="zh-CN" dirty="0"/>
+            </a:br>
+            <a:r>
+              <a:rPr lang="en-US" altLang="zh-CN" dirty="0"/>
+              <a:t>BER under perfect CSI condition</a:t>
+            </a:r>
+            <a:endParaRPr lang="zh-CN" altLang="en-US" dirty="0"/>
+          </a:p>
+        </p:txBody>
+      </p:sp>
+      <p:grpSp>
+        <p:nvGrpSpPr>
+          <p:cNvPr id="7" name="组合 6">
+            <a:extLst>
+              <a:ext uri="{FF2B5EF4-FFF2-40B4-BE49-F238E27FC236}">
+                <a16:creationId xmlns:a16="http://schemas.microsoft.com/office/drawing/2014/main" id="{13CA567E-4B87-4E8B-B843-910056B48D42}"/>
+              </a:ext>
+            </a:extLst>
+          </p:cNvPr>
+          <p:cNvGrpSpPr/>
+          <p:nvPr/>
+        </p:nvGrpSpPr>
+        <p:grpSpPr>
+          <a:xfrm>
+            <a:off x="838200" y="2286328"/>
+            <a:ext cx="5041777" cy="3914046"/>
+            <a:chOff x="838200" y="2286328"/>
+            <a:chExt cx="5041777" cy="3914046"/>
+          </a:xfrm>
+        </p:grpSpPr>
+        <p:pic>
+          <p:nvPicPr>
+            <p:cNvPr id="4" name="图片 3">
+              <a:extLst>
+                <a:ext uri="{FF2B5EF4-FFF2-40B4-BE49-F238E27FC236}">
+                  <a16:creationId xmlns:a16="http://schemas.microsoft.com/office/drawing/2014/main" id="{B4E77029-BE41-44D9-B123-1EA24463CCF1}"/>
+                </a:ext>
+              </a:extLst>
+            </p:cNvPr>
+            <p:cNvPicPr>
+              <a:picLocks noChangeAspect="1"/>
+            </p:cNvPicPr>
+            <p:nvPr/>
+          </p:nvPicPr>
+          <p:blipFill>
+            <a:blip r:embed="rId2"/>
+            <a:stretch>
+              <a:fillRect/>
+            </a:stretch>
+          </p:blipFill>
+          <p:spPr>
+            <a:xfrm>
+              <a:off x="838200" y="2286328"/>
+              <a:ext cx="5041777" cy="3318406"/>
+            </a:xfrm>
+            <a:prstGeom prst="rect">
+              <a:avLst/>
+            </a:prstGeom>
+          </p:spPr>
+        </p:pic>
+        <p:sp>
+          <p:nvSpPr>
+            <p:cNvPr id="6" name="文本框 5">
+              <a:extLst>
+                <a:ext uri="{FF2B5EF4-FFF2-40B4-BE49-F238E27FC236}">
+                  <a16:creationId xmlns:a16="http://schemas.microsoft.com/office/drawing/2014/main" id="{BC507249-8D09-4F51-9600-A4B6521657EC}"/>
+                </a:ext>
+              </a:extLst>
+            </p:cNvPr>
+            <p:cNvSpPr txBox="1"/>
+            <p:nvPr/>
+          </p:nvSpPr>
+          <p:spPr>
+            <a:xfrm>
+              <a:off x="2256428" y="5831042"/>
+              <a:ext cx="2315571" cy="369332"/>
+            </a:xfrm>
+            <a:prstGeom prst="rect">
+              <a:avLst/>
+            </a:prstGeom>
+            <a:noFill/>
+          </p:spPr>
+          <p:txBody>
+            <a:bodyPr wrap="square" rtlCol="0">
+              <a:spAutoFit/>
+            </a:bodyPr>
+            <a:lstStyle/>
+            <a:p>
+              <a:r>
+                <a:rPr lang="en-US" altLang="zh-CN" dirty="0"/>
+                <a:t>Training Epoch = 300</a:t>
+              </a:r>
+              <a:endParaRPr lang="zh-CN" altLang="en-US" dirty="0"/>
+            </a:p>
+          </p:txBody>
+        </p:sp>
+      </p:grpSp>
+      <p:grpSp>
+        <p:nvGrpSpPr>
+          <p:cNvPr id="10" name="组合 9">
+            <a:extLst>
+              <a:ext uri="{FF2B5EF4-FFF2-40B4-BE49-F238E27FC236}">
+                <a16:creationId xmlns:a16="http://schemas.microsoft.com/office/drawing/2014/main" id="{DFBA01E6-14C9-4C13-9369-54996286B82F}"/>
+              </a:ext>
+            </a:extLst>
+          </p:cNvPr>
+          <p:cNvGrpSpPr/>
+          <p:nvPr/>
+        </p:nvGrpSpPr>
+        <p:grpSpPr>
+          <a:xfrm>
+            <a:off x="6449695" y="2286327"/>
+            <a:ext cx="5041777" cy="3729381"/>
+            <a:chOff x="6449695" y="2286327"/>
+            <a:chExt cx="5041777" cy="3729381"/>
+          </a:xfrm>
+        </p:grpSpPr>
+        <p:pic>
+          <p:nvPicPr>
+            <p:cNvPr id="8" name="图片 7">
+              <a:extLst>
+                <a:ext uri="{FF2B5EF4-FFF2-40B4-BE49-F238E27FC236}">
+                  <a16:creationId xmlns:a16="http://schemas.microsoft.com/office/drawing/2014/main" id="{82D71973-06BC-4BCA-8099-0828645AD3D1}"/>
+                </a:ext>
+              </a:extLst>
+            </p:cNvPr>
+            <p:cNvPicPr>
+              <a:picLocks noChangeAspect="1"/>
+            </p:cNvPicPr>
+            <p:nvPr/>
+          </p:nvPicPr>
+          <p:blipFill>
+            <a:blip r:embed="rId3"/>
+            <a:stretch>
+              <a:fillRect/>
+            </a:stretch>
+          </p:blipFill>
+          <p:spPr>
+            <a:xfrm>
+              <a:off x="6449695" y="2286327"/>
+              <a:ext cx="5041777" cy="3266001"/>
+            </a:xfrm>
+            <a:prstGeom prst="rect">
+              <a:avLst/>
+            </a:prstGeom>
+          </p:spPr>
+        </p:pic>
+        <p:sp>
+          <p:nvSpPr>
+            <p:cNvPr id="9" name="文本框 8">
+              <a:extLst>
+                <a:ext uri="{FF2B5EF4-FFF2-40B4-BE49-F238E27FC236}">
+                  <a16:creationId xmlns:a16="http://schemas.microsoft.com/office/drawing/2014/main" id="{03EF3C06-6782-4B28-B431-C810618913A5}"/>
+                </a:ext>
+              </a:extLst>
+            </p:cNvPr>
+            <p:cNvSpPr txBox="1"/>
+            <p:nvPr/>
+          </p:nvSpPr>
+          <p:spPr>
+            <a:xfrm>
+              <a:off x="8143538" y="5646376"/>
+              <a:ext cx="2315571" cy="369332"/>
+            </a:xfrm>
+            <a:prstGeom prst="rect">
+              <a:avLst/>
+            </a:prstGeom>
+            <a:noFill/>
+          </p:spPr>
+          <p:txBody>
+            <a:bodyPr wrap="square" rtlCol="0">
+              <a:spAutoFit/>
+            </a:bodyPr>
+            <a:lstStyle/>
+            <a:p>
+              <a:r>
+                <a:rPr lang="en-US" altLang="zh-CN" dirty="0"/>
+                <a:t>Training Epoch = 300</a:t>
+              </a:r>
+              <a:endParaRPr lang="zh-CN" altLang="en-US" dirty="0"/>
+            </a:p>
+          </p:txBody>
+        </p:sp>
+      </p:grpSp>
+    </p:spTree>
+    <p:extLst>
+      <p:ext uri="{BB962C8B-B14F-4D97-AF65-F5344CB8AC3E}">
+        <p14:creationId xmlns:p14="http://schemas.microsoft.com/office/powerpoint/2010/main" val="1478085331"/>
+      </p:ext>
+    </p:extLst>
+  </p:cSld>
+  <p:clrMapOvr>
+    <a:masterClrMapping/>
+  </p:clrMapOvr>
+</p:sld>
+</file>
+
+<file path=ppt/slides/slide13.xml><?xml version="1.0" encoding="utf-8"?>
+<p:sld xmlns:a="http://schemas.openxmlformats.org/drawingml/2006/main" xmlns:r="http://schemas.openxmlformats.org/officeDocument/2006/relationships" xmlns:p="http://schemas.openxmlformats.org/presentationml/2006/main">
+  <p:cSld>
+    <p:spTree>
+      <p:nvGrpSpPr>
+        <p:cNvPr id="1" name=""/>
+        <p:cNvGrpSpPr/>
+        <p:nvPr/>
+      </p:nvGrpSpPr>
+      <p:grpSpPr>
+        <a:xfrm>
+          <a:off x="0" y="0"/>
+          <a:ext cx="0" cy="0"/>
+          <a:chOff x="0" y="0"/>
+          <a:chExt cx="0" cy="0"/>
+        </a:xfrm>
+      </p:grpSpPr>
+      <p:sp>
+        <p:nvSpPr>
+          <p:cNvPr id="2" name="标题 1">
+            <a:extLst>
+              <a:ext uri="{FF2B5EF4-FFF2-40B4-BE49-F238E27FC236}">
+                <a16:creationId xmlns:a16="http://schemas.microsoft.com/office/drawing/2014/main" id="{6B567C0D-1125-42EC-BFDB-0DF7A7B29555}"/>
+              </a:ext>
+            </a:extLst>
+          </p:cNvPr>
+          <p:cNvSpPr>
+            <a:spLocks noGrp="1"/>
+          </p:cNvSpPr>
+          <p:nvPr>
+            <p:ph type="title"/>
+          </p:nvPr>
+        </p:nvSpPr>
+        <p:spPr>
+          <a:xfrm>
+            <a:off x="838200" y="2688777"/>
+            <a:ext cx="10515600" cy="1325563"/>
+          </a:xfrm>
+        </p:spPr>
+        <p:txBody>
+          <a:bodyPr/>
+          <a:lstStyle/>
+          <a:p>
+            <a:pPr algn="ctr"/>
+            <a:r>
+              <a:rPr lang="en-US" altLang="zh-CN" dirty="0"/>
+              <a:t>Any questions?</a:t>
+            </a:r>
+            <a:endParaRPr lang="zh-CN" altLang="en-US" dirty="0"/>
+          </a:p>
+        </p:txBody>
+      </p:sp>
+    </p:spTree>
+    <p:extLst>
+      <p:ext uri="{BB962C8B-B14F-4D97-AF65-F5344CB8AC3E}">
+        <p14:creationId xmlns:p14="http://schemas.microsoft.com/office/powerpoint/2010/main" val="367955871"/>
+      </p:ext>
+    </p:extLst>
+  </p:cSld>
+  <p:clrMapOvr>
+    <a:masterClrMapping/>
+  </p:clrMapOvr>
+</p:sld>
+</file>
+
+<file path=ppt/slides/slide14.xml><?xml version="1.0" encoding="utf-8"?>
+<p:sld xmlns:a="http://schemas.openxmlformats.org/drawingml/2006/main" xmlns:r="http://schemas.openxmlformats.org/officeDocument/2006/relationships" xmlns:p="http://schemas.openxmlformats.org/presentationml/2006/main">
+  <p:cSld>
+    <p:spTree>
+      <p:nvGrpSpPr>
+        <p:cNvPr id="1" name=""/>
+        <p:cNvGrpSpPr/>
+        <p:nvPr/>
+      </p:nvGrpSpPr>
+      <p:grpSpPr>
+        <a:xfrm>
+          <a:off x="0" y="0"/>
+          <a:ext cx="0" cy="0"/>
+          <a:chOff x="0" y="0"/>
+          <a:chExt cx="0" cy="0"/>
+        </a:xfrm>
+      </p:grpSpPr>
+      <p:sp>
+        <p:nvSpPr>
+          <p:cNvPr id="2" name="标题 1">
+            <a:extLst>
+              <a:ext uri="{FF2B5EF4-FFF2-40B4-BE49-F238E27FC236}">
+                <a16:creationId xmlns:a16="http://schemas.microsoft.com/office/drawing/2014/main" id="{9CB2A288-8CBA-4AB0-A432-1A897C07A06A}"/>
+              </a:ext>
+            </a:extLst>
+          </p:cNvPr>
+          <p:cNvSpPr>
+            <a:spLocks noGrp="1"/>
+          </p:cNvSpPr>
+          <p:nvPr>
+            <p:ph type="title"/>
+          </p:nvPr>
+        </p:nvSpPr>
+        <p:spPr>
+          <a:xfrm>
+            <a:off x="838200" y="2766218"/>
+            <a:ext cx="10515600" cy="1325563"/>
+          </a:xfrm>
+        </p:spPr>
+        <p:txBody>
+          <a:bodyPr/>
+          <a:lstStyle/>
+          <a:p>
+            <a:pPr algn="ctr"/>
+            <a:r>
+              <a:rPr lang="en-US" altLang="zh-CN" dirty="0"/>
+              <a:t>Thank You !!!</a:t>
+            </a:r>
+            <a:endParaRPr lang="zh-CN" altLang="en-US" dirty="0"/>
+          </a:p>
+        </p:txBody>
+      </p:sp>
+      <p:pic>
+        <p:nvPicPr>
+          <p:cNvPr id="4" name="Picture 2" descr="「华中科技大学电子信息与通信学院」的圖片搜尋結果">
+            <a:extLst>
+              <a:ext uri="{FF2B5EF4-FFF2-40B4-BE49-F238E27FC236}">
+                <a16:creationId xmlns:a16="http://schemas.microsoft.com/office/drawing/2014/main" id="{F5E3D0C4-7696-435B-A69F-B05236B23471}"/>
+              </a:ext>
+            </a:extLst>
+          </p:cNvPr>
+          <p:cNvPicPr>
+            <a:picLocks noChangeAspect="1" noChangeArrowheads="1"/>
+          </p:cNvPicPr>
+          <p:nvPr/>
+        </p:nvPicPr>
+        <p:blipFill>
+          <a:blip r:embed="rId2">
+            <a:extLst>
+              <a:ext uri="{28A0092B-C50C-407E-A947-70E740481C1C}">
+                <a14:useLocalDpi xmlns:a14="http://schemas.microsoft.com/office/drawing/2010/main" val="0"/>
+              </a:ext>
+            </a:extLst>
+          </a:blip>
+          <a:srcRect/>
+          <a:stretch>
+            <a:fillRect/>
+          </a:stretch>
+        </p:blipFill>
+        <p:spPr bwMode="auto">
+          <a:xfrm>
+            <a:off x="390055" y="219032"/>
+            <a:ext cx="1826941" cy="1421027"/>
+          </a:xfrm>
+          <a:prstGeom prst="rect">
+            <a:avLst/>
+          </a:prstGeom>
+          <a:noFill/>
+          <a:extLst>
+            <a:ext uri="{909E8E84-426E-40DD-AFC4-6F175D3DCCD1}">
+              <a14:hiddenFill xmlns:a14="http://schemas.microsoft.com/office/drawing/2010/main">
+                <a:solidFill>
+                  <a:srgbClr val="FFFFFF"/>
+                </a:solidFill>
+              </a14:hiddenFill>
+            </a:ext>
+          </a:extLst>
+        </p:spPr>
+      </p:pic>
+    </p:spTree>
+    <p:extLst>
+      <p:ext uri="{BB962C8B-B14F-4D97-AF65-F5344CB8AC3E}">
+        <p14:creationId xmlns:p14="http://schemas.microsoft.com/office/powerpoint/2010/main" val="323265786"/>
       </p:ext>
     </p:extLst>
   </p:cSld>
@@ -3912,12 +5338,272 @@
             <p:ph idx="1"/>
           </p:nvPr>
         </p:nvSpPr>
-        <p:spPr/>
-        <p:txBody>
-          <a:bodyPr/>
-          <a:lstStyle/>
-          <a:p>
+        <p:spPr>
+          <a:xfrm>
+            <a:off x="838200" y="1825625"/>
+            <a:ext cx="10879318" cy="813880"/>
+          </a:xfrm>
+        </p:spPr>
+        <p:txBody>
+          <a:bodyPr>
+            <a:normAutofit/>
+          </a:bodyPr>
+          <a:lstStyle/>
+          <a:p>
+            <a:r>
+              <a:rPr lang="en-US" altLang="zh-CN" sz="2400" dirty="0"/>
+              <a:t>Deep Learning (DL) adopts Deep Neural Network (DNN) to construct  nonlinear mapping between different presentations of data</a:t>
+            </a:r>
+            <a:r>
+              <a:rPr lang="en-US" altLang="zh-CN" sz="2400" baseline="30000" dirty="0"/>
+              <a:t>[1]	</a:t>
+            </a:r>
+            <a:endParaRPr lang="zh-CN" altLang="en-US" sz="2400" baseline="30000" dirty="0"/>
+          </a:p>
+        </p:txBody>
+      </p:sp>
+      <p:sp>
+        <p:nvSpPr>
+          <p:cNvPr id="6" name="文本框 5">
+            <a:extLst>
+              <a:ext uri="{FF2B5EF4-FFF2-40B4-BE49-F238E27FC236}">
+                <a16:creationId xmlns:a16="http://schemas.microsoft.com/office/drawing/2014/main" id="{5A83B8E8-792F-4C6B-9A92-FBF245F3D8BB}"/>
+              </a:ext>
+            </a:extLst>
+          </p:cNvPr>
+          <p:cNvSpPr txBox="1"/>
+          <p:nvPr/>
+        </p:nvSpPr>
+        <p:spPr>
+          <a:xfrm>
+            <a:off x="838200" y="3753952"/>
+            <a:ext cx="10879318" cy="1200329"/>
+          </a:xfrm>
+          <a:prstGeom prst="rect">
+            <a:avLst/>
+          </a:prstGeom>
+          <a:noFill/>
+        </p:spPr>
+        <p:txBody>
+          <a:bodyPr wrap="square" rtlCol="0">
+            <a:spAutoFit/>
+          </a:bodyPr>
+          <a:lstStyle/>
+          <a:p>
+            <a:pPr marL="342900" indent="-342900">
+              <a:buFont typeface="Arial" panose="020B0604020202020204" pitchFamily="34" charset="0"/>
+              <a:buChar char="•"/>
+            </a:pPr>
+            <a:r>
+              <a:rPr lang="en-US" altLang="zh-CN" sz="2400" dirty="0"/>
+              <a:t>The topic about implementing DL on communication has been discussed for a long time. But a majority part of researches under this theme mainly focus on application layer and network layer</a:t>
+            </a:r>
+            <a:r>
+              <a:rPr lang="en-US" altLang="zh-CN" sz="2400" baseline="30000" dirty="0"/>
+              <a:t>[2]</a:t>
+            </a:r>
+            <a:endParaRPr lang="zh-CN" altLang="en-US" sz="2400" baseline="30000" dirty="0"/>
+          </a:p>
+        </p:txBody>
+      </p:sp>
+      <p:sp>
+        <p:nvSpPr>
+          <p:cNvPr id="9" name="文本框 8">
+            <a:extLst>
+              <a:ext uri="{FF2B5EF4-FFF2-40B4-BE49-F238E27FC236}">
+                <a16:creationId xmlns:a16="http://schemas.microsoft.com/office/drawing/2014/main" id="{C437F476-C6E0-4141-B0BE-0E62B28BC670}"/>
+              </a:ext>
+            </a:extLst>
+          </p:cNvPr>
+          <p:cNvSpPr txBox="1"/>
+          <p:nvPr/>
+        </p:nvSpPr>
+        <p:spPr>
+          <a:xfrm>
+            <a:off x="838201" y="6068728"/>
+            <a:ext cx="10879318" cy="646331"/>
+          </a:xfrm>
+          <a:prstGeom prst="rect">
+            <a:avLst/>
+          </a:prstGeom>
+          <a:noFill/>
+        </p:spPr>
+        <p:txBody>
+          <a:bodyPr wrap="square" rtlCol="0">
+            <a:spAutoFit/>
+          </a:bodyPr>
+          <a:lstStyle/>
+          <a:p>
+            <a:r>
+              <a:rPr lang="en-US" altLang="zh-CN" sz="1200" dirty="0"/>
+              <a:t>[1]Z. Qin, H. Ye, G. Y. Li and B. F. </a:t>
+            </a:r>
+            <a:r>
+              <a:rPr lang="en-US" altLang="zh-CN" sz="1200" dirty="0" err="1"/>
+              <a:t>Juang</a:t>
+            </a:r>
+            <a:r>
+              <a:rPr lang="en-US" altLang="zh-CN" sz="1200" dirty="0"/>
+              <a:t>, "Deep Learning in Physical Layer Communications," in *IEEE Wireless Communications*, vol. 26, no. 2, pp. 93-99, April 2019.</a:t>
+            </a:r>
+          </a:p>
+          <a:p>
+            <a:r>
+              <a:rPr lang="en-US" altLang="zh-CN" sz="1200" dirty="0"/>
+              <a:t>[2]Jing </a:t>
+            </a:r>
+            <a:r>
+              <a:rPr lang="en-US" altLang="zh-CN" sz="1200" dirty="0" err="1"/>
+              <a:t>ZHANG,Shi</a:t>
+            </a:r>
+            <a:r>
+              <a:rPr lang="en-US" altLang="zh-CN" sz="1200" dirty="0"/>
+              <a:t> </a:t>
+            </a:r>
+            <a:r>
+              <a:rPr lang="en-US" altLang="zh-CN" sz="1200" dirty="0" err="1"/>
+              <a:t>JIN,Chaokai</a:t>
+            </a:r>
+            <a:r>
+              <a:rPr lang="en-US" altLang="zh-CN" sz="1200" dirty="0"/>
+              <a:t> </a:t>
+            </a:r>
+            <a:r>
+              <a:rPr lang="en-US" altLang="zh-CN" sz="1200" dirty="0" err="1"/>
+              <a:t>WEN,Feifei</a:t>
+            </a:r>
+            <a:r>
+              <a:rPr lang="en-US" altLang="zh-CN" sz="1200" dirty="0"/>
+              <a:t> </a:t>
+            </a:r>
+            <a:r>
+              <a:rPr lang="en-US" altLang="zh-CN" sz="1200" dirty="0" err="1"/>
+              <a:t>GAO,Tao</a:t>
+            </a:r>
+            <a:r>
+              <a:rPr lang="en-US" altLang="zh-CN" sz="1200" dirty="0"/>
+              <a:t> JIANG. An overview of wireless transmission technology utilizing artificial intelligence[J]. Telecommunications Science, 2018, 34(8): 46-55.</a:t>
+            </a:r>
+            <a:endParaRPr lang="zh-CN" altLang="en-US" sz="1200" dirty="0"/>
+          </a:p>
+        </p:txBody>
+      </p:sp>
+      <p:sp>
+        <p:nvSpPr>
+          <p:cNvPr id="10" name="文本框 9">
+            <a:extLst>
+              <a:ext uri="{FF2B5EF4-FFF2-40B4-BE49-F238E27FC236}">
+                <a16:creationId xmlns:a16="http://schemas.microsoft.com/office/drawing/2014/main" id="{D9B31EE6-DA7C-4323-A21C-CA5F090DCC94}"/>
+              </a:ext>
+            </a:extLst>
+          </p:cNvPr>
+          <p:cNvSpPr txBox="1"/>
+          <p:nvPr/>
+        </p:nvSpPr>
+        <p:spPr>
+          <a:xfrm>
+            <a:off x="1159497" y="2735063"/>
+            <a:ext cx="10558021" cy="923330"/>
+          </a:xfrm>
+          <a:prstGeom prst="rect">
+            <a:avLst/>
+          </a:prstGeom>
+          <a:noFill/>
+        </p:spPr>
+        <p:txBody>
+          <a:bodyPr wrap="square" rtlCol="0">
+            <a:spAutoFit/>
+          </a:bodyPr>
+          <a:lstStyle/>
+          <a:p>
+            <a:pPr marL="285750" indent="-285750">
+              <a:buFont typeface="Arial" panose="020B0604020202020204" pitchFamily="34" charset="0"/>
+              <a:buChar char="•"/>
+            </a:pPr>
+            <a:r>
+              <a:rPr lang="en-US" altLang="zh-CN" dirty="0"/>
+              <a:t>Computer Vision</a:t>
+            </a:r>
+          </a:p>
+          <a:p>
+            <a:pPr marL="285750" indent="-285750">
+              <a:buFont typeface="Arial" panose="020B0604020202020204" pitchFamily="34" charset="0"/>
+              <a:buChar char="•"/>
+            </a:pPr>
+            <a:r>
+              <a:rPr lang="en-US" altLang="zh-CN" dirty="0"/>
+              <a:t>Data Miming</a:t>
+            </a:r>
+          </a:p>
+          <a:p>
+            <a:pPr marL="285750" indent="-285750">
+              <a:buFont typeface="Arial" panose="020B0604020202020204" pitchFamily="34" charset="0"/>
+              <a:buChar char="•"/>
+            </a:pPr>
+            <a:r>
+              <a:rPr lang="en-US" altLang="zh-CN" dirty="0"/>
+              <a:t>Nature Language Processing</a:t>
+            </a:r>
             <a:endParaRPr lang="zh-CN" altLang="en-US" dirty="0"/>
+          </a:p>
+        </p:txBody>
+      </p:sp>
+      <p:sp>
+        <p:nvSpPr>
+          <p:cNvPr id="11" name="文本框 10">
+            <a:extLst>
+              <a:ext uri="{FF2B5EF4-FFF2-40B4-BE49-F238E27FC236}">
+                <a16:creationId xmlns:a16="http://schemas.microsoft.com/office/drawing/2014/main" id="{15F81601-6BBB-4E37-BEEA-750AC19A8204}"/>
+              </a:ext>
+            </a:extLst>
+          </p:cNvPr>
+          <p:cNvSpPr txBox="1"/>
+          <p:nvPr/>
+        </p:nvSpPr>
+        <p:spPr>
+          <a:xfrm>
+            <a:off x="1159497" y="5049840"/>
+            <a:ext cx="10043474" cy="923330"/>
+          </a:xfrm>
+          <a:prstGeom prst="rect">
+            <a:avLst/>
+          </a:prstGeom>
+          <a:noFill/>
+        </p:spPr>
+        <p:txBody>
+          <a:bodyPr wrap="square" rtlCol="0">
+            <a:spAutoFit/>
+          </a:bodyPr>
+          <a:lstStyle/>
+          <a:p>
+            <a:pPr marL="285750" indent="-285750">
+              <a:buFont typeface="Arial" panose="020B0604020202020204" pitchFamily="34" charset="0"/>
+              <a:buChar char="•"/>
+            </a:pPr>
+            <a:r>
+              <a:rPr lang="en-US" altLang="zh-CN" dirty="0"/>
+              <a:t>Span Mail Recognition</a:t>
+            </a:r>
+          </a:p>
+          <a:p>
+            <a:pPr marL="285750" indent="-285750">
+              <a:buFont typeface="Arial" panose="020B0604020202020204" pitchFamily="34" charset="0"/>
+              <a:buChar char="•"/>
+            </a:pPr>
+            <a:r>
+              <a:rPr lang="en-US" altLang="zh-CN" dirty="0"/>
+              <a:t>Network Clustering</a:t>
+            </a:r>
+          </a:p>
+          <a:p>
+            <a:pPr marL="285750" indent="-285750">
+              <a:buFont typeface="Arial" panose="020B0604020202020204" pitchFamily="34" charset="0"/>
+              <a:buChar char="•"/>
+            </a:pPr>
+            <a:r>
+              <a:rPr lang="en-US" altLang="zh-CN" dirty="0"/>
+              <a:t>Queue Theory</a:t>
+            </a:r>
           </a:p>
         </p:txBody>
       </p:sp>
@@ -3956,7 +5642,7 @@
           <p:cNvPr id="2" name="标题 1">
             <a:extLst>
               <a:ext uri="{FF2B5EF4-FFF2-40B4-BE49-F238E27FC236}">
-                <a16:creationId xmlns:a16="http://schemas.microsoft.com/office/drawing/2014/main" id="{142D92E0-9706-4332-90B1-B8BDB841A5A2}"/>
+                <a16:creationId xmlns:a16="http://schemas.microsoft.com/office/drawing/2014/main" id="{0C96F008-D6E3-45F6-8E6D-E46A35ACD038}"/>
               </a:ext>
             </a:extLst>
           </p:cNvPr>
@@ -3969,49 +5655,158 @@
         </p:nvSpPr>
         <p:spPr/>
         <p:txBody>
+          <a:bodyPr>
+            <a:normAutofit/>
+          </a:bodyPr>
+          <a:lstStyle/>
+          <a:p>
+            <a:r>
+              <a:rPr lang="en-US" altLang="zh-CN" sz="3600" dirty="0"/>
+              <a:t>Background (2)</a:t>
+            </a:r>
+            <a:br>
+              <a:rPr lang="en-US" altLang="zh-CN" sz="3600" dirty="0"/>
+            </a:br>
+            <a:r>
+              <a:rPr lang="en-US" altLang="zh-CN" sz="3600" dirty="0"/>
+              <a:t>Future Development Trends</a:t>
+            </a:r>
+            <a:endParaRPr lang="zh-CN" altLang="en-US" sz="3600" dirty="0"/>
+          </a:p>
+        </p:txBody>
+      </p:sp>
+      <p:sp>
+        <p:nvSpPr>
+          <p:cNvPr id="3" name="内容占位符 2">
+            <a:extLst>
+              <a:ext uri="{FF2B5EF4-FFF2-40B4-BE49-F238E27FC236}">
+                <a16:creationId xmlns:a16="http://schemas.microsoft.com/office/drawing/2014/main" id="{67653112-1158-45BE-9F8B-26B5B63458A9}"/>
+              </a:ext>
+            </a:extLst>
+          </p:cNvPr>
+          <p:cNvSpPr>
+            <a:spLocks noGrp="1"/>
+          </p:cNvSpPr>
+          <p:nvPr>
+            <p:ph idx="1"/>
+          </p:nvPr>
+        </p:nvSpPr>
+        <p:spPr>
+          <a:xfrm>
+            <a:off x="838200" y="1825624"/>
+            <a:ext cx="10515600" cy="4575175"/>
+          </a:xfrm>
+        </p:spPr>
+        <p:txBody>
           <a:bodyPr/>
           <a:lstStyle/>
           <a:p>
             <a:r>
               <a:rPr lang="en-US" altLang="zh-CN" dirty="0"/>
-              <a:t>Related Work (1)</a:t>
-            </a:r>
-            <a:endParaRPr lang="zh-CN" altLang="en-US" dirty="0"/>
-          </a:p>
-        </p:txBody>
-      </p:sp>
-      <p:sp>
-        <p:nvSpPr>
-          <p:cNvPr id="3" name="内容占位符 2">
-            <a:extLst>
-              <a:ext uri="{FF2B5EF4-FFF2-40B4-BE49-F238E27FC236}">
-                <a16:creationId xmlns:a16="http://schemas.microsoft.com/office/drawing/2014/main" id="{20A15FD1-63FC-4896-AB35-DB36E6AC2686}"/>
-              </a:ext>
-            </a:extLst>
-          </p:cNvPr>
-          <p:cNvSpPr>
-            <a:spLocks noGrp="1"/>
-          </p:cNvSpPr>
-          <p:nvPr>
-            <p:ph idx="1"/>
-          </p:nvPr>
-        </p:nvSpPr>
-        <p:spPr/>
-        <p:txBody>
-          <a:bodyPr/>
-          <a:lstStyle/>
+              <a:t>More complicate Channel</a:t>
+            </a:r>
+          </a:p>
           <a:p>
             <a:pPr marL="0" indent="0">
               <a:buNone/>
             </a:pPr>
+            <a:r>
+              <a:rPr lang="en-US" altLang="zh-CN" dirty="0"/>
+              <a:t>	</a:t>
+            </a:r>
+            <a:r>
+              <a:rPr lang="en-US" altLang="zh-CN" sz="2000" dirty="0"/>
+              <a:t>millimeter waveform technology induce the channel model more complicate due to 	its poor ability to pass through foliage</a:t>
+            </a:r>
+          </a:p>
+          <a:p>
+            <a:pPr marL="0" indent="0">
+              <a:buNone/>
+            </a:pPr>
+            <a:r>
+              <a:rPr lang="en-US" altLang="zh-CN" sz="2000" dirty="0"/>
+              <a:t>	 A trend that the channel model will keep increase its complexity in the future</a:t>
+            </a:r>
+          </a:p>
+          <a:p>
+            <a:r>
+              <a:rPr lang="en-US" altLang="zh-CN" dirty="0"/>
+              <a:t>Overall Optimal</a:t>
+            </a:r>
+          </a:p>
+          <a:p>
+            <a:pPr marL="0" indent="0">
+              <a:buNone/>
+            </a:pPr>
+            <a:r>
+              <a:rPr lang="en-US" altLang="zh-CN" dirty="0"/>
+              <a:t>	</a:t>
+            </a:r>
+            <a:r>
+              <a:rPr lang="en-US" altLang="zh-CN" sz="2000" dirty="0"/>
+              <a:t>individually optimal in  present system could achieve the best end-to-end 	performance</a:t>
+            </a:r>
+          </a:p>
+          <a:p>
+            <a:r>
+              <a:rPr lang="en-US" altLang="zh-CN" dirty="0"/>
+              <a:t>Data Volume</a:t>
+            </a:r>
+          </a:p>
+          <a:p>
+            <a:pPr marL="0" indent="0">
+              <a:buNone/>
+            </a:pPr>
+            <a:r>
+              <a:rPr lang="en-US" altLang="zh-CN" dirty="0"/>
+              <a:t>	</a:t>
+            </a:r>
+            <a:r>
+              <a:rPr lang="en-US" altLang="zh-CN" sz="2000" dirty="0"/>
+              <a:t>Advanced communication technology be able to provide abundant multi-path and 	channel state  information</a:t>
+            </a:r>
             <a:endParaRPr lang="zh-CN" altLang="en-US" dirty="0"/>
+          </a:p>
+        </p:txBody>
+      </p:sp>
+      <p:sp>
+        <p:nvSpPr>
+          <p:cNvPr id="4" name="矩形 3">
+            <a:extLst>
+              <a:ext uri="{FF2B5EF4-FFF2-40B4-BE49-F238E27FC236}">
+                <a16:creationId xmlns:a16="http://schemas.microsoft.com/office/drawing/2014/main" id="{19FA5907-F7F6-44D3-99EC-9B694328082A}"/>
+              </a:ext>
+            </a:extLst>
+          </p:cNvPr>
+          <p:cNvSpPr/>
+          <p:nvPr/>
+        </p:nvSpPr>
+        <p:spPr>
+          <a:xfrm>
+            <a:off x="838201" y="6262042"/>
+            <a:ext cx="10515600" cy="461665"/>
+          </a:xfrm>
+          <a:prstGeom prst="rect">
+            <a:avLst/>
+          </a:prstGeom>
+        </p:spPr>
+        <p:txBody>
+          <a:bodyPr wrap="square">
+            <a:spAutoFit/>
+          </a:bodyPr>
+          <a:lstStyle/>
+          <a:p>
+            <a:r>
+              <a:rPr lang="zh-CN" altLang="en-US" sz="1200" dirty="0"/>
+              <a:t>T. O’Shea and J. Hoydis, "An Introduction to Deep Learning for the Physical Layer," in *IEEE Transactions on Cognitive Communications and Networking*, vol. 3, no. 4, pp. 563-575, Dec. 2017.</a:t>
+            </a:r>
           </a:p>
         </p:txBody>
       </p:sp>
     </p:spTree>
     <p:extLst>
       <p:ext uri="{BB962C8B-B14F-4D97-AF65-F5344CB8AC3E}">
-        <p14:creationId xmlns:p14="http://schemas.microsoft.com/office/powerpoint/2010/main" val="1716343603"/>
+        <p14:creationId xmlns:p14="http://schemas.microsoft.com/office/powerpoint/2010/main" val="361695938"/>
       </p:ext>
     </p:extLst>
   </p:cSld>
@@ -4043,7 +5838,7 @@
           <p:cNvPr id="2" name="标题 1">
             <a:extLst>
               <a:ext uri="{FF2B5EF4-FFF2-40B4-BE49-F238E27FC236}">
-                <a16:creationId xmlns:a16="http://schemas.microsoft.com/office/drawing/2014/main" id="{B10ACCBE-156D-4A61-9D0B-9AFC460E66BA}"/>
+                <a16:creationId xmlns:a16="http://schemas.microsoft.com/office/drawing/2014/main" id="{142D92E0-9706-4332-90B1-B8BDB841A5A2}"/>
               </a:ext>
             </a:extLst>
           </p:cNvPr>
@@ -4056,46 +5851,158 @@
         </p:nvSpPr>
         <p:spPr/>
         <p:txBody>
+          <a:bodyPr>
+            <a:normAutofit/>
+          </a:bodyPr>
+          <a:lstStyle/>
+          <a:p>
+            <a:r>
+              <a:rPr lang="en-US" altLang="zh-CN" sz="3600" dirty="0"/>
+              <a:t>Related Work (1)</a:t>
+            </a:r>
+            <a:br>
+              <a:rPr lang="en-US" altLang="zh-CN" sz="3600" dirty="0"/>
+            </a:br>
+            <a:r>
+              <a:rPr lang="en-US" altLang="zh-CN" sz="3600" dirty="0"/>
+              <a:t>Type I: Data Driven method </a:t>
+            </a:r>
+            <a:endParaRPr lang="zh-CN" altLang="en-US" sz="3600" dirty="0"/>
+          </a:p>
+        </p:txBody>
+      </p:sp>
+      <p:sp>
+        <p:nvSpPr>
+          <p:cNvPr id="3" name="内容占位符 2">
+            <a:extLst>
+              <a:ext uri="{FF2B5EF4-FFF2-40B4-BE49-F238E27FC236}">
+                <a16:creationId xmlns:a16="http://schemas.microsoft.com/office/drawing/2014/main" id="{20A15FD1-63FC-4896-AB35-DB36E6AC2686}"/>
+              </a:ext>
+            </a:extLst>
+          </p:cNvPr>
+          <p:cNvSpPr>
+            <a:spLocks noGrp="1"/>
+          </p:cNvSpPr>
+          <p:nvPr>
+            <p:ph idx="1"/>
+          </p:nvPr>
+        </p:nvSpPr>
+        <p:spPr>
+          <a:xfrm>
+            <a:off x="838200" y="1806772"/>
+            <a:ext cx="10515600" cy="1325563"/>
+          </a:xfrm>
+        </p:spPr>
+        <p:txBody>
           <a:bodyPr/>
           <a:lstStyle/>
           <a:p>
             <a:r>
               <a:rPr lang="en-US" altLang="zh-CN" dirty="0"/>
-              <a:t>System Model</a:t>
+              <a:t>An auto-encoder which implement Convolution Neural Network (CNN) on raw IQ samples for modulation classification is introduced in [1]</a:t>
             </a:r>
             <a:endParaRPr lang="zh-CN" altLang="en-US" dirty="0"/>
           </a:p>
         </p:txBody>
       </p:sp>
-      <p:sp>
-        <p:nvSpPr>
-          <p:cNvPr id="3" name="内容占位符 2">
-            <a:extLst>
-              <a:ext uri="{FF2B5EF4-FFF2-40B4-BE49-F238E27FC236}">
-                <a16:creationId xmlns:a16="http://schemas.microsoft.com/office/drawing/2014/main" id="{052E5D38-266A-40FD-AF6E-15C417F03263}"/>
-              </a:ext>
-            </a:extLst>
-          </p:cNvPr>
-          <p:cNvSpPr>
-            <a:spLocks noGrp="1"/>
-          </p:cNvSpPr>
-          <p:nvPr>
-            <p:ph idx="1"/>
-          </p:nvPr>
-        </p:nvSpPr>
-        <p:spPr/>
-        <p:txBody>
-          <a:bodyPr/>
-          <a:lstStyle/>
-          <a:p>
-            <a:endParaRPr lang="zh-CN" altLang="en-US"/>
+      <p:pic>
+        <p:nvPicPr>
+          <p:cNvPr id="4" name="图片 3">
+            <a:extLst>
+              <a:ext uri="{FF2B5EF4-FFF2-40B4-BE49-F238E27FC236}">
+                <a16:creationId xmlns:a16="http://schemas.microsoft.com/office/drawing/2014/main" id="{A7C3C890-B03D-43F0-B3AB-22F6BEDCF936}"/>
+              </a:ext>
+            </a:extLst>
+          </p:cNvPr>
+          <p:cNvPicPr>
+            <a:picLocks noChangeAspect="1"/>
+          </p:cNvPicPr>
+          <p:nvPr/>
+        </p:nvPicPr>
+        <p:blipFill>
+          <a:blip r:embed="rId2"/>
+          <a:stretch>
+            <a:fillRect/>
+          </a:stretch>
+        </p:blipFill>
+        <p:spPr>
+          <a:xfrm>
+            <a:off x="35669" y="3112852"/>
+            <a:ext cx="5803138" cy="2765066"/>
+          </a:xfrm>
+          <a:prstGeom prst="rect">
+            <a:avLst/>
+          </a:prstGeom>
+        </p:spPr>
+      </p:pic>
+      <p:pic>
+        <p:nvPicPr>
+          <p:cNvPr id="5" name="图片 4">
+            <a:extLst>
+              <a:ext uri="{FF2B5EF4-FFF2-40B4-BE49-F238E27FC236}">
+                <a16:creationId xmlns:a16="http://schemas.microsoft.com/office/drawing/2014/main" id="{E206C9DE-8144-45E3-ADC4-48484EDBD2EE}"/>
+              </a:ext>
+            </a:extLst>
+          </p:cNvPr>
+          <p:cNvPicPr>
+            <a:picLocks noChangeAspect="1"/>
+          </p:cNvPicPr>
+          <p:nvPr/>
+        </p:nvPicPr>
+        <p:blipFill>
+          <a:blip r:embed="rId3"/>
+          <a:stretch>
+            <a:fillRect/>
+          </a:stretch>
+        </p:blipFill>
+        <p:spPr>
+          <a:xfrm>
+            <a:off x="6187823" y="3112852"/>
+            <a:ext cx="5900303" cy="2765066"/>
+          </a:xfrm>
+          <a:prstGeom prst="rect">
+            <a:avLst/>
+          </a:prstGeom>
+        </p:spPr>
+      </p:pic>
+      <p:sp>
+        <p:nvSpPr>
+          <p:cNvPr id="6" name="矩形 5">
+            <a:extLst>
+              <a:ext uri="{FF2B5EF4-FFF2-40B4-BE49-F238E27FC236}">
+                <a16:creationId xmlns:a16="http://schemas.microsoft.com/office/drawing/2014/main" id="{D7FC3130-31F1-46E8-BC80-876AD247053D}"/>
+              </a:ext>
+            </a:extLst>
+          </p:cNvPr>
+          <p:cNvSpPr/>
+          <p:nvPr/>
+        </p:nvSpPr>
+        <p:spPr>
+          <a:xfrm>
+            <a:off x="838200" y="6031210"/>
+            <a:ext cx="10515600" cy="523220"/>
+          </a:xfrm>
+          <a:prstGeom prst="rect">
+            <a:avLst/>
+          </a:prstGeom>
+        </p:spPr>
+        <p:txBody>
+          <a:bodyPr wrap="square">
+            <a:spAutoFit/>
+          </a:bodyPr>
+          <a:lstStyle/>
+          <a:p>
+            <a:r>
+              <a:rPr lang="zh-CN" altLang="en-US" sz="1400" dirty="0"/>
+              <a:t>[1]Z. Qin, H. Ye, G. Y. Li and B. F. Juang, "Deep Learning in Physical Layer Communications," in *IEEE Wireless Communications*, vol. 26, no. 2, pp. 93-99, April 2019.</a:t>
+            </a:r>
           </a:p>
         </p:txBody>
       </p:sp>
     </p:spTree>
     <p:extLst>
       <p:ext uri="{BB962C8B-B14F-4D97-AF65-F5344CB8AC3E}">
-        <p14:creationId xmlns:p14="http://schemas.microsoft.com/office/powerpoint/2010/main" val="536054063"/>
+        <p14:creationId xmlns:p14="http://schemas.microsoft.com/office/powerpoint/2010/main" val="1716343603"/>
       </p:ext>
     </p:extLst>
   </p:cSld>
@@ -4127,7 +6034,7 @@
           <p:cNvPr id="2" name="标题 1">
             <a:extLst>
               <a:ext uri="{FF2B5EF4-FFF2-40B4-BE49-F238E27FC236}">
-                <a16:creationId xmlns:a16="http://schemas.microsoft.com/office/drawing/2014/main" id="{8EF5220C-AF39-4314-88A3-C03A1A50A348}"/>
+                <a16:creationId xmlns:a16="http://schemas.microsoft.com/office/drawing/2014/main" id="{3D56C88C-E600-48F4-9F99-0551CF19C930}"/>
               </a:ext>
             </a:extLst>
           </p:cNvPr>
@@ -4140,16 +6047,70 @@
         </p:nvSpPr>
         <p:spPr/>
         <p:txBody>
-          <a:bodyPr/>
+          <a:bodyPr>
+            <a:normAutofit/>
+          </a:bodyPr>
+          <a:lstStyle/>
+          <a:p>
+            <a:r>
+              <a:rPr lang="en-US" altLang="zh-CN" sz="3600" dirty="0"/>
+              <a:t>Related Work (2)</a:t>
+            </a:r>
+            <a:br>
+              <a:rPr lang="en-US" altLang="zh-CN" sz="3600" dirty="0"/>
+            </a:br>
+            <a:r>
+              <a:rPr lang="en-US" altLang="zh-CN" sz="3600" dirty="0"/>
+              <a:t>Type II: Model Driven method</a:t>
+            </a:r>
+            <a:endParaRPr lang="zh-CN" altLang="en-US" sz="3600" dirty="0"/>
+          </a:p>
+        </p:txBody>
+      </p:sp>
+      <p:sp>
+        <p:nvSpPr>
+          <p:cNvPr id="3" name="内容占位符 2">
+            <a:extLst>
+              <a:ext uri="{FF2B5EF4-FFF2-40B4-BE49-F238E27FC236}">
+                <a16:creationId xmlns:a16="http://schemas.microsoft.com/office/drawing/2014/main" id="{409FFE73-FE59-491D-B0E0-81658082DC66}"/>
+              </a:ext>
+            </a:extLst>
+          </p:cNvPr>
+          <p:cNvSpPr>
+            <a:spLocks noGrp="1"/>
+          </p:cNvSpPr>
+          <p:nvPr>
+            <p:ph idx="1"/>
+          </p:nvPr>
+        </p:nvSpPr>
+        <p:spPr>
+          <a:xfrm>
+            <a:off x="838200" y="1825625"/>
+            <a:ext cx="10515600" cy="1325563"/>
+          </a:xfrm>
+        </p:spPr>
+        <p:txBody>
+          <a:bodyPr>
+            <a:normAutofit lnSpcReduction="10000"/>
+          </a:bodyPr>
           <a:lstStyle/>
           <a:p>
             <a:r>
               <a:rPr lang="en-US" altLang="zh-CN" dirty="0"/>
-              <a:t>Structure of </a:t>
+              <a:t>Deep-MIMO Detector:</a:t>
+            </a:r>
+          </a:p>
+          <a:p>
+            <a:pPr marL="0" indent="0">
+              <a:buNone/>
+            </a:pPr>
+            <a:r>
+              <a:rPr lang="en-US" altLang="zh-CN" dirty="0"/>
+              <a:t>	DL in the context of LS-MIMO detection that build a DL-based detector called </a:t>
             </a:r>
             <a:r>
               <a:rPr lang="en-US" altLang="zh-CN" dirty="0" err="1"/>
-              <a:t>DeepIM</a:t>
+              <a:t>DEtNet</a:t>
             </a:r>
             <a:endParaRPr lang="zh-CN" altLang="en-US" dirty="0"/>
           </a:p>
@@ -4160,7 +6121,7 @@
           <p:cNvPr id="4" name="图片 3">
             <a:extLst>
               <a:ext uri="{FF2B5EF4-FFF2-40B4-BE49-F238E27FC236}">
-                <a16:creationId xmlns:a16="http://schemas.microsoft.com/office/drawing/2014/main" id="{5CB53F52-4ECD-4C79-9B61-3A8A721C1B82}"/>
+                <a16:creationId xmlns:a16="http://schemas.microsoft.com/office/drawing/2014/main" id="{9361DA7D-792E-423D-9E18-603559EC0B85}"/>
               </a:ext>
             </a:extLst>
           </p:cNvPr>
@@ -4171,6 +6132,1000 @@
         </p:nvPicPr>
         <p:blipFill>
           <a:blip r:embed="rId2"/>
+          <a:stretch>
+            <a:fillRect/>
+          </a:stretch>
+        </p:blipFill>
+        <p:spPr>
+          <a:xfrm>
+            <a:off x="838200" y="3286125"/>
+            <a:ext cx="5439530" cy="2890939"/>
+          </a:xfrm>
+          <a:prstGeom prst="rect">
+            <a:avLst/>
+          </a:prstGeom>
+        </p:spPr>
+      </p:pic>
+      <p:pic>
+        <p:nvPicPr>
+          <p:cNvPr id="5" name="图片 4">
+            <a:extLst>
+              <a:ext uri="{FF2B5EF4-FFF2-40B4-BE49-F238E27FC236}">
+                <a16:creationId xmlns:a16="http://schemas.microsoft.com/office/drawing/2014/main" id="{4757D918-7AEB-4065-BE70-3E2A836196F0}"/>
+              </a:ext>
+            </a:extLst>
+          </p:cNvPr>
+          <p:cNvPicPr>
+            <a:picLocks noChangeAspect="1"/>
+          </p:cNvPicPr>
+          <p:nvPr/>
+        </p:nvPicPr>
+        <p:blipFill>
+          <a:blip r:embed="rId3"/>
+          <a:stretch>
+            <a:fillRect/>
+          </a:stretch>
+        </p:blipFill>
+        <p:spPr>
+          <a:xfrm>
+            <a:off x="7697521" y="2783411"/>
+            <a:ext cx="3656279" cy="3258716"/>
+          </a:xfrm>
+          <a:prstGeom prst="rect">
+            <a:avLst/>
+          </a:prstGeom>
+        </p:spPr>
+      </p:pic>
+      <p:sp>
+        <p:nvSpPr>
+          <p:cNvPr id="6" name="矩形 5">
+            <a:extLst>
+              <a:ext uri="{FF2B5EF4-FFF2-40B4-BE49-F238E27FC236}">
+                <a16:creationId xmlns:a16="http://schemas.microsoft.com/office/drawing/2014/main" id="{0AD5FEFB-2706-4935-8E3A-772EBB02E20A}"/>
+              </a:ext>
+            </a:extLst>
+          </p:cNvPr>
+          <p:cNvSpPr/>
+          <p:nvPr/>
+        </p:nvSpPr>
+        <p:spPr>
+          <a:xfrm>
+            <a:off x="713362" y="6177064"/>
+            <a:ext cx="10640438" cy="523220"/>
+          </a:xfrm>
+          <a:prstGeom prst="rect">
+            <a:avLst/>
+          </a:prstGeom>
+        </p:spPr>
+        <p:txBody>
+          <a:bodyPr wrap="square">
+            <a:spAutoFit/>
+          </a:bodyPr>
+          <a:lstStyle/>
+          <a:p>
+            <a:r>
+              <a:rPr lang="zh-CN" altLang="en-US" sz="1400" dirty="0"/>
+              <a:t>[11]N. Samuel, T. Diskin and A. Wiesel, "Deep MIMO detection," *2017 IEEE 18th International Workshop on Signal Processing Advances in Wireless Communications (SPAWC)*, Sapporo, 2017, pp. 1-5.</a:t>
+            </a:r>
+          </a:p>
+        </p:txBody>
+      </p:sp>
+    </p:spTree>
+    <p:extLst>
+      <p:ext uri="{BB962C8B-B14F-4D97-AF65-F5344CB8AC3E}">
+        <p14:creationId xmlns:p14="http://schemas.microsoft.com/office/powerpoint/2010/main" val="3043895667"/>
+      </p:ext>
+    </p:extLst>
+  </p:cSld>
+  <p:clrMapOvr>
+    <a:masterClrMapping/>
+  </p:clrMapOvr>
+</p:sld>
+</file>
+
+<file path=ppt/slides/slide6.xml><?xml version="1.0" encoding="utf-8"?>
+<p:sld xmlns:a="http://schemas.openxmlformats.org/drawingml/2006/main" xmlns:r="http://schemas.openxmlformats.org/officeDocument/2006/relationships" xmlns:p="http://schemas.openxmlformats.org/presentationml/2006/main">
+  <p:cSld>
+    <p:spTree>
+      <p:nvGrpSpPr>
+        <p:cNvPr id="1" name=""/>
+        <p:cNvGrpSpPr/>
+        <p:nvPr/>
+      </p:nvGrpSpPr>
+      <p:grpSpPr>
+        <a:xfrm>
+          <a:off x="0" y="0"/>
+          <a:ext cx="0" cy="0"/>
+          <a:chOff x="0" y="0"/>
+          <a:chExt cx="0" cy="0"/>
+        </a:xfrm>
+      </p:grpSpPr>
+      <p:sp>
+        <p:nvSpPr>
+          <p:cNvPr id="2" name="标题 1">
+            <a:extLst>
+              <a:ext uri="{FF2B5EF4-FFF2-40B4-BE49-F238E27FC236}">
+                <a16:creationId xmlns:a16="http://schemas.microsoft.com/office/drawing/2014/main" id="{B10ACCBE-156D-4A61-9D0B-9AFC460E66BA}"/>
+              </a:ext>
+            </a:extLst>
+          </p:cNvPr>
+          <p:cNvSpPr>
+            <a:spLocks noGrp="1"/>
+          </p:cNvSpPr>
+          <p:nvPr>
+            <p:ph type="title"/>
+          </p:nvPr>
+        </p:nvSpPr>
+        <p:spPr/>
+        <p:txBody>
+          <a:bodyPr/>
+          <a:lstStyle/>
+          <a:p>
+            <a:r>
+              <a:rPr lang="en-US" altLang="zh-CN" dirty="0"/>
+              <a:t>System Model: OFDM-IM (1)</a:t>
+            </a:r>
+            <a:endParaRPr lang="zh-CN" altLang="en-US" dirty="0"/>
+          </a:p>
+        </p:txBody>
+      </p:sp>
+      <p:pic>
+        <p:nvPicPr>
+          <p:cNvPr id="4" name="图片 3">
+            <a:extLst>
+              <a:ext uri="{FF2B5EF4-FFF2-40B4-BE49-F238E27FC236}">
+                <a16:creationId xmlns:a16="http://schemas.microsoft.com/office/drawing/2014/main" id="{9147CF8F-61A6-426A-BBC7-7BED80D76B13}"/>
+              </a:ext>
+            </a:extLst>
+          </p:cNvPr>
+          <p:cNvPicPr>
+            <a:picLocks noChangeAspect="1"/>
+          </p:cNvPicPr>
+          <p:nvPr/>
+        </p:nvPicPr>
+        <p:blipFill>
+          <a:blip r:embed="rId3"/>
+          <a:stretch>
+            <a:fillRect/>
+          </a:stretch>
+        </p:blipFill>
+        <p:spPr>
+          <a:xfrm>
+            <a:off x="113122" y="1558712"/>
+            <a:ext cx="7262489" cy="3985605"/>
+          </a:xfrm>
+          <a:prstGeom prst="rect">
+            <a:avLst/>
+          </a:prstGeom>
+        </p:spPr>
+      </p:pic>
+      <p:sp>
+        <p:nvSpPr>
+          <p:cNvPr id="5" name="文本框 4">
+            <a:extLst>
+              <a:ext uri="{FF2B5EF4-FFF2-40B4-BE49-F238E27FC236}">
+                <a16:creationId xmlns:a16="http://schemas.microsoft.com/office/drawing/2014/main" id="{2D60CC55-A28E-4A8B-9997-7FF7857E55A5}"/>
+              </a:ext>
+            </a:extLst>
+          </p:cNvPr>
+          <p:cNvSpPr txBox="1"/>
+          <p:nvPr/>
+        </p:nvSpPr>
+        <p:spPr>
+          <a:xfrm>
+            <a:off x="418530" y="6277431"/>
+            <a:ext cx="11354940" cy="430887"/>
+          </a:xfrm>
+          <a:prstGeom prst="rect">
+            <a:avLst/>
+          </a:prstGeom>
+          <a:noFill/>
+        </p:spPr>
+        <p:txBody>
+          <a:bodyPr wrap="square" rtlCol="0">
+            <a:spAutoFit/>
+          </a:bodyPr>
+          <a:lstStyle/>
+          <a:p>
+            <a:r>
+              <a:rPr lang="en-US" altLang="zh-CN" sz="1100"/>
+              <a:t>E. Başar, Ü. Aygölü, E. Panayırcı and H. V. Poor, "Orthogonal Frequency Division Multiplexing With Index Modulation," in IEEE Transactions on Signal Processing, vol. 61, no. 22, pp. 5536-5549, Nov.15, 2013.</a:t>
+            </a:r>
+            <a:endParaRPr lang="zh-CN" altLang="en-US" sz="1100" dirty="0"/>
+          </a:p>
+        </p:txBody>
+      </p:sp>
+      <p:sp>
+        <p:nvSpPr>
+          <p:cNvPr id="7" name="椭圆 6">
+            <a:extLst>
+              <a:ext uri="{FF2B5EF4-FFF2-40B4-BE49-F238E27FC236}">
+                <a16:creationId xmlns:a16="http://schemas.microsoft.com/office/drawing/2014/main" id="{A266358B-27C6-40D8-9277-F35738A20927}"/>
+              </a:ext>
+            </a:extLst>
+          </p:cNvPr>
+          <p:cNvSpPr/>
+          <p:nvPr/>
+        </p:nvSpPr>
+        <p:spPr>
+          <a:xfrm>
+            <a:off x="1602557" y="1833531"/>
+            <a:ext cx="5986021" cy="1325563"/>
+          </a:xfrm>
+          <a:prstGeom prst="ellipse">
+            <a:avLst/>
+          </a:prstGeom>
+          <a:noFill/>
+          <a:ln w="28575">
+            <a:solidFill>
+              <a:srgbClr val="FF0000"/>
+            </a:solidFill>
+          </a:ln>
+        </p:spPr>
+        <p:style>
+          <a:lnRef idx="2">
+            <a:schemeClr val="accent1">
+              <a:shade val="50000"/>
+            </a:schemeClr>
+          </a:lnRef>
+          <a:fillRef idx="1">
+            <a:schemeClr val="accent1"/>
+          </a:fillRef>
+          <a:effectRef idx="0">
+            <a:schemeClr val="accent1"/>
+          </a:effectRef>
+          <a:fontRef idx="minor">
+            <a:schemeClr val="lt1"/>
+          </a:fontRef>
+        </p:style>
+        <p:txBody>
+          <a:bodyPr rtlCol="0" anchor="ctr"/>
+          <a:lstStyle/>
+          <a:p>
+            <a:pPr algn="ctr"/>
+            <a:endParaRPr lang="zh-CN" altLang="en-US"/>
+          </a:p>
+        </p:txBody>
+      </p:sp>
+      <mc:AlternateContent xmlns:mc="http://schemas.openxmlformats.org/markup-compatibility/2006" xmlns:a14="http://schemas.microsoft.com/office/drawing/2010/main">
+        <mc:Choice Requires="a14">
+          <p:sp>
+            <p:nvSpPr>
+              <p:cNvPr id="11" name="矩形 10">
+                <a:extLst>
+                  <a:ext uri="{FF2B5EF4-FFF2-40B4-BE49-F238E27FC236}">
+                    <a16:creationId xmlns:a16="http://schemas.microsoft.com/office/drawing/2014/main" id="{0D007F14-51D1-418C-9120-18A4BDAE928D}"/>
+                  </a:ext>
+                </a:extLst>
+              </p:cNvPr>
+              <p:cNvSpPr/>
+              <p:nvPr/>
+            </p:nvSpPr>
+            <p:spPr>
+              <a:xfrm>
+                <a:off x="7875085" y="2223702"/>
+                <a:ext cx="4091232" cy="2862322"/>
+              </a:xfrm>
+              <a:prstGeom prst="rect">
+                <a:avLst/>
+              </a:prstGeom>
+            </p:spPr>
+            <p:txBody>
+              <a:bodyPr wrap="square">
+                <a:spAutoFit/>
+              </a:bodyPr>
+              <a:lstStyle/>
+              <a:p>
+                <a:pPr marL="285750" indent="-285750">
+                  <a:buFont typeface="Arial" panose="020B0604020202020204" pitchFamily="34" charset="0"/>
+                  <a:buChar char="•"/>
+                </a:pPr>
+                <a14:m>
+                  <m:oMath xmlns:m="http://schemas.openxmlformats.org/officeDocument/2006/math">
+                    <m:sSub>
+                      <m:sSubPr>
+                        <m:ctrlPr>
+                          <a:rPr lang="en-US" altLang="zh-CN" i="1" smtClean="0">
+                            <a:latin typeface="Cambria Math" panose="02040503050406030204" pitchFamily="18" charset="0"/>
+                          </a:rPr>
+                        </m:ctrlPr>
+                      </m:sSubPr>
+                      <m:e>
+                        <m:r>
+                          <a:rPr lang="en-US" altLang="zh-CN" b="0" i="1" smtClean="0">
+                            <a:latin typeface="Cambria Math" panose="02040503050406030204" pitchFamily="18" charset="0"/>
+                          </a:rPr>
+                          <m:t>𝑁</m:t>
+                        </m:r>
+                      </m:e>
+                      <m:sub>
+                        <m:r>
+                          <a:rPr lang="en-US" altLang="zh-CN" b="0" i="1" smtClean="0">
+                            <a:latin typeface="Cambria Math" panose="02040503050406030204" pitchFamily="18" charset="0"/>
+                          </a:rPr>
+                          <m:t>𝑐</m:t>
+                        </m:r>
+                      </m:sub>
+                    </m:sSub>
+                  </m:oMath>
+                </a14:m>
+                <a:r>
+                  <a:rPr lang="zh-CN" altLang="en-US" dirty="0"/>
+                  <a:t> sub-carriers that are</a:t>
+                </a:r>
+              </a:p>
+              <a:p>
+                <a:r>
+                  <a:rPr lang="zh-CN" altLang="en-US" dirty="0"/>
+                  <a:t>split into G groups of N sub-carriers, </a:t>
+                </a:r>
+                <a14:m>
+                  <m:oMath xmlns:m="http://schemas.openxmlformats.org/officeDocument/2006/math">
+                    <m:sSub>
+                      <m:sSubPr>
+                        <m:ctrlPr>
+                          <a:rPr lang="en-US" altLang="zh-CN" i="1" smtClean="0">
+                            <a:latin typeface="Cambria Math" panose="02040503050406030204" pitchFamily="18" charset="0"/>
+                          </a:rPr>
+                        </m:ctrlPr>
+                      </m:sSubPr>
+                      <m:e>
+                        <m:r>
+                          <a:rPr lang="en-US" altLang="zh-CN" b="0" i="1" smtClean="0">
+                            <a:latin typeface="Cambria Math" panose="02040503050406030204" pitchFamily="18" charset="0"/>
+                          </a:rPr>
+                          <m:t>𝑁</m:t>
+                        </m:r>
+                      </m:e>
+                      <m:sub>
+                        <m:r>
+                          <a:rPr lang="en-US" altLang="zh-CN" b="0" i="1" smtClean="0">
+                            <a:latin typeface="Cambria Math" panose="02040503050406030204" pitchFamily="18" charset="0"/>
+                          </a:rPr>
+                          <m:t>𝑐</m:t>
+                        </m:r>
+                      </m:sub>
+                    </m:sSub>
+                    <m:r>
+                      <a:rPr lang="en-US" altLang="zh-CN" b="0" i="1" smtClean="0">
+                        <a:latin typeface="Cambria Math" panose="02040503050406030204" pitchFamily="18" charset="0"/>
+                      </a:rPr>
+                      <m:t>=</m:t>
+                    </m:r>
+                    <m:r>
+                      <a:rPr lang="en-US" altLang="zh-CN" b="0" i="1" smtClean="0">
+                        <a:latin typeface="Cambria Math" panose="02040503050406030204" pitchFamily="18" charset="0"/>
+                      </a:rPr>
+                      <m:t>𝑁𝐺</m:t>
+                    </m:r>
+                  </m:oMath>
+                </a14:m>
+                <a:r>
+                  <a:rPr lang="zh-CN" altLang="en-US" dirty="0"/>
+                  <a:t>.</a:t>
+                </a:r>
+                <a:endParaRPr lang="en-US" altLang="zh-CN" dirty="0"/>
+              </a:p>
+              <a:p>
+                <a:pPr marL="285750" indent="-285750">
+                  <a:buFont typeface="Arial" panose="020B0604020202020204" pitchFamily="34" charset="0"/>
+                  <a:buChar char="•"/>
+                </a:pPr>
+                <a:r>
+                  <a:rPr lang="en-US" altLang="zh-CN" dirty="0"/>
+                  <a:t>Each OFDM-IM group are independent.</a:t>
+                </a:r>
+              </a:p>
+              <a:p>
+                <a:pPr marL="285750" indent="-285750">
+                  <a:buFont typeface="Arial" panose="020B0604020202020204" pitchFamily="34" charset="0"/>
+                  <a:buChar char="•"/>
+                </a:pPr>
+                <a:r>
+                  <a:rPr lang="zh-CN" altLang="en-US" dirty="0"/>
+                  <a:t>K out of N sub-carriers are activated to send a total of p data bits</a:t>
+                </a:r>
+              </a:p>
+              <a:p>
+                <a:pPr/>
+                <a14:m>
+                  <m:oMathPara xmlns:m="http://schemas.openxmlformats.org/officeDocument/2006/math">
+                    <m:oMathParaPr>
+                      <m:jc m:val="centerGroup"/>
+                    </m:oMathParaPr>
+                    <m:oMath xmlns:m="http://schemas.openxmlformats.org/officeDocument/2006/math">
+                      <m:r>
+                        <a:rPr lang="en-US" altLang="zh-CN" i="1">
+                          <a:latin typeface="Cambria Math" panose="02040503050406030204" pitchFamily="18" charset="0"/>
+                        </a:rPr>
+                        <m:t>𝑝</m:t>
+                      </m:r>
+                      <m:r>
+                        <a:rPr lang="en-US" altLang="zh-CN" i="1">
+                          <a:latin typeface="Cambria Math" panose="02040503050406030204" pitchFamily="18" charset="0"/>
+                        </a:rPr>
+                        <m:t>=</m:t>
+                      </m:r>
+                      <m:sSub>
+                        <m:sSubPr>
+                          <m:ctrlPr>
+                            <a:rPr lang="en-US" altLang="zh-CN" i="1">
+                              <a:latin typeface="Cambria Math" panose="02040503050406030204" pitchFamily="18" charset="0"/>
+                            </a:rPr>
+                          </m:ctrlPr>
+                        </m:sSubPr>
+                        <m:e>
+                          <m:r>
+                            <a:rPr lang="en-US" altLang="zh-CN" i="1">
+                              <a:latin typeface="Cambria Math" panose="02040503050406030204" pitchFamily="18" charset="0"/>
+                            </a:rPr>
+                            <m:t>𝑝</m:t>
+                          </m:r>
+                        </m:e>
+                        <m:sub>
+                          <m:r>
+                            <a:rPr lang="en-US" altLang="zh-CN" i="1">
+                              <a:latin typeface="Cambria Math" panose="02040503050406030204" pitchFamily="18" charset="0"/>
+                            </a:rPr>
+                            <m:t>1</m:t>
+                          </m:r>
+                        </m:sub>
+                      </m:sSub>
+                      <m:r>
+                        <a:rPr lang="en-US" altLang="zh-CN" i="1">
+                          <a:latin typeface="Cambria Math" panose="02040503050406030204" pitchFamily="18" charset="0"/>
+                        </a:rPr>
+                        <m:t>+</m:t>
+                      </m:r>
+                      <m:sSub>
+                        <m:sSubPr>
+                          <m:ctrlPr>
+                            <a:rPr lang="en-US" altLang="zh-CN" i="1">
+                              <a:latin typeface="Cambria Math" panose="02040503050406030204" pitchFamily="18" charset="0"/>
+                            </a:rPr>
+                          </m:ctrlPr>
+                        </m:sSubPr>
+                        <m:e>
+                          <m:r>
+                            <a:rPr lang="en-US" altLang="zh-CN" i="1">
+                              <a:latin typeface="Cambria Math" panose="02040503050406030204" pitchFamily="18" charset="0"/>
+                            </a:rPr>
+                            <m:t>𝑝</m:t>
+                          </m:r>
+                        </m:e>
+                        <m:sub>
+                          <m:r>
+                            <a:rPr lang="en-US" altLang="zh-CN" i="1">
+                              <a:latin typeface="Cambria Math" panose="02040503050406030204" pitchFamily="18" charset="0"/>
+                            </a:rPr>
+                            <m:t>2</m:t>
+                          </m:r>
+                        </m:sub>
+                      </m:sSub>
+                    </m:oMath>
+                  </m:oMathPara>
+                </a14:m>
+                <a:endParaRPr lang="zh-CN" altLang="en-US" dirty="0"/>
+              </a:p>
+              <a:p>
+                <a:pPr/>
+                <a14:m>
+                  <m:oMathPara xmlns:m="http://schemas.openxmlformats.org/officeDocument/2006/math">
+                    <m:oMathParaPr>
+                      <m:jc m:val="centerGroup"/>
+                    </m:oMathParaPr>
+                    <m:oMath xmlns:m="http://schemas.openxmlformats.org/officeDocument/2006/math">
+                      <m:sSub>
+                        <m:sSubPr>
+                          <m:ctrlPr>
+                            <a:rPr lang="en-US" altLang="zh-CN" i="1">
+                              <a:latin typeface="Cambria Math" panose="02040503050406030204" pitchFamily="18" charset="0"/>
+                            </a:rPr>
+                          </m:ctrlPr>
+                        </m:sSubPr>
+                        <m:e>
+                          <m:r>
+                            <a:rPr lang="en-US" altLang="zh-CN" i="1">
+                              <a:latin typeface="Cambria Math" panose="02040503050406030204" pitchFamily="18" charset="0"/>
+                            </a:rPr>
+                            <m:t>𝑝</m:t>
+                          </m:r>
+                        </m:e>
+                        <m:sub>
+                          <m:r>
+                            <a:rPr lang="en-US" altLang="zh-CN" i="1">
+                              <a:latin typeface="Cambria Math" panose="02040503050406030204" pitchFamily="18" charset="0"/>
+                            </a:rPr>
+                            <m:t>1</m:t>
+                          </m:r>
+                        </m:sub>
+                      </m:sSub>
+                      <m:r>
+                        <a:rPr lang="en-US" altLang="zh-CN" i="1">
+                          <a:latin typeface="Cambria Math" panose="02040503050406030204" pitchFamily="18" charset="0"/>
+                        </a:rPr>
+                        <m:t>=</m:t>
+                      </m:r>
+                      <m:r>
+                        <a:rPr lang="en-US" altLang="zh-CN" i="1">
+                          <a:latin typeface="Cambria Math" panose="02040503050406030204" pitchFamily="18" charset="0"/>
+                        </a:rPr>
+                        <m:t>𝐾</m:t>
+                      </m:r>
+                      <m:sSub>
+                        <m:sSubPr>
+                          <m:ctrlPr>
+                            <a:rPr lang="en-US" altLang="zh-CN" i="1">
+                              <a:latin typeface="Cambria Math" panose="02040503050406030204" pitchFamily="18" charset="0"/>
+                            </a:rPr>
+                          </m:ctrlPr>
+                        </m:sSubPr>
+                        <m:e>
+                          <m:r>
+                            <a:rPr lang="en-US" altLang="zh-CN" i="1">
+                              <a:latin typeface="Cambria Math" panose="02040503050406030204" pitchFamily="18" charset="0"/>
+                            </a:rPr>
+                            <m:t>𝑙𝑜𝑔</m:t>
+                          </m:r>
+                        </m:e>
+                        <m:sub>
+                          <m:r>
+                            <a:rPr lang="en-US" altLang="zh-CN" i="1">
+                              <a:latin typeface="Cambria Math" panose="02040503050406030204" pitchFamily="18" charset="0"/>
+                            </a:rPr>
+                            <m:t>2</m:t>
+                          </m:r>
+                        </m:sub>
+                      </m:sSub>
+                      <m:r>
+                        <a:rPr lang="en-US" altLang="zh-CN" i="1">
+                          <a:latin typeface="Cambria Math" panose="02040503050406030204" pitchFamily="18" charset="0"/>
+                        </a:rPr>
+                        <m:t>𝑀</m:t>
+                      </m:r>
+                    </m:oMath>
+                  </m:oMathPara>
+                </a14:m>
+                <a:endParaRPr lang="en-US" altLang="zh-CN" dirty="0"/>
+              </a:p>
+              <a:p>
+                <a:pPr/>
+                <a14:m>
+                  <m:oMathPara xmlns:m="http://schemas.openxmlformats.org/officeDocument/2006/math">
+                    <m:oMathParaPr>
+                      <m:jc m:val="centerGroup"/>
+                    </m:oMathParaPr>
+                    <m:oMath xmlns:m="http://schemas.openxmlformats.org/officeDocument/2006/math">
+                      <m:sSub>
+                        <m:sSubPr>
+                          <m:ctrlPr>
+                            <a:rPr lang="en-US" altLang="zh-CN" i="1">
+                              <a:latin typeface="Cambria Math" panose="02040503050406030204" pitchFamily="18" charset="0"/>
+                            </a:rPr>
+                          </m:ctrlPr>
+                        </m:sSubPr>
+                        <m:e>
+                          <m:r>
+                            <a:rPr lang="en-US" altLang="zh-CN" i="1">
+                              <a:latin typeface="Cambria Math" panose="02040503050406030204" pitchFamily="18" charset="0"/>
+                            </a:rPr>
+                            <m:t>𝑝</m:t>
+                          </m:r>
+                        </m:e>
+                        <m:sub>
+                          <m:r>
+                            <a:rPr lang="en-US" altLang="zh-CN" i="1">
+                              <a:latin typeface="Cambria Math" panose="02040503050406030204" pitchFamily="18" charset="0"/>
+                            </a:rPr>
+                            <m:t>2</m:t>
+                          </m:r>
+                        </m:sub>
+                      </m:sSub>
+                      <m:r>
+                        <a:rPr lang="en-US" altLang="zh-CN" i="1">
+                          <a:latin typeface="Cambria Math" panose="02040503050406030204" pitchFamily="18" charset="0"/>
+                        </a:rPr>
+                        <m:t>=</m:t>
+                      </m:r>
+                      <m:sSub>
+                        <m:sSubPr>
+                          <m:ctrlPr>
+                            <a:rPr lang="en-US" altLang="zh-CN" i="1">
+                              <a:latin typeface="Cambria Math" panose="02040503050406030204" pitchFamily="18" charset="0"/>
+                            </a:rPr>
+                          </m:ctrlPr>
+                        </m:sSubPr>
+                        <m:e>
+                          <m:r>
+                            <a:rPr lang="en-US" altLang="zh-CN" i="1">
+                              <a:latin typeface="Cambria Math" panose="02040503050406030204" pitchFamily="18" charset="0"/>
+                            </a:rPr>
+                            <m:t>𝑙𝑜𝑔</m:t>
+                          </m:r>
+                        </m:e>
+                        <m:sub>
+                          <m:r>
+                            <a:rPr lang="en-US" altLang="zh-CN" i="1">
+                              <a:latin typeface="Cambria Math" panose="02040503050406030204" pitchFamily="18" charset="0"/>
+                            </a:rPr>
+                            <m:t>2</m:t>
+                          </m:r>
+                        </m:sub>
+                      </m:sSub>
+                      <m:r>
+                        <a:rPr lang="en-US" altLang="zh-CN" i="1">
+                          <a:latin typeface="Cambria Math" panose="02040503050406030204" pitchFamily="18" charset="0"/>
+                        </a:rPr>
+                        <m:t>𝐶</m:t>
+                      </m:r>
+                      <m:r>
+                        <a:rPr lang="en-US" altLang="zh-CN" i="1">
+                          <a:latin typeface="Cambria Math" panose="02040503050406030204" pitchFamily="18" charset="0"/>
+                        </a:rPr>
+                        <m:t>(</m:t>
+                      </m:r>
+                      <m:r>
+                        <a:rPr lang="en-US" altLang="zh-CN" i="1">
+                          <a:latin typeface="Cambria Math" panose="02040503050406030204" pitchFamily="18" charset="0"/>
+                        </a:rPr>
+                        <m:t>𝑁</m:t>
+                      </m:r>
+                      <m:r>
+                        <a:rPr lang="en-US" altLang="zh-CN" i="1">
+                          <a:latin typeface="Cambria Math" panose="02040503050406030204" pitchFamily="18" charset="0"/>
+                        </a:rPr>
+                        <m:t>,</m:t>
+                      </m:r>
+                      <m:r>
+                        <a:rPr lang="en-US" altLang="zh-CN" i="1">
+                          <a:latin typeface="Cambria Math" panose="02040503050406030204" pitchFamily="18" charset="0"/>
+                        </a:rPr>
+                        <m:t>𝐾</m:t>
+                      </m:r>
+                      <m:r>
+                        <a:rPr lang="en-US" altLang="zh-CN" i="1">
+                          <a:latin typeface="Cambria Math" panose="02040503050406030204" pitchFamily="18" charset="0"/>
+                        </a:rPr>
+                        <m:t>)</m:t>
+                      </m:r>
+                    </m:oMath>
+                  </m:oMathPara>
+                </a14:m>
+                <a:endParaRPr lang="zh-CN" altLang="en-US" dirty="0"/>
+              </a:p>
+            </p:txBody>
+          </p:sp>
+        </mc:Choice>
+        <mc:Fallback xmlns="">
+          <p:sp>
+            <p:nvSpPr>
+              <p:cNvPr id="11" name="矩形 10">
+                <a:extLst>
+                  <a:ext uri="{FF2B5EF4-FFF2-40B4-BE49-F238E27FC236}">
+                    <a16:creationId xmlns:a16="http://schemas.microsoft.com/office/drawing/2014/main" id="{0D007F14-51D1-418C-9120-18A4BDAE928D}"/>
+                  </a:ext>
+                </a:extLst>
+              </p:cNvPr>
+              <p:cNvSpPr>
+                <a:spLocks noRot="1" noChangeAspect="1" noMove="1" noResize="1" noEditPoints="1" noAdjustHandles="1" noChangeArrowheads="1" noChangeShapeType="1" noTextEdit="1"/>
+              </p:cNvSpPr>
+              <p:nvPr/>
+            </p:nvSpPr>
+            <p:spPr>
+              <a:xfrm>
+                <a:off x="7875085" y="2223702"/>
+                <a:ext cx="4091232" cy="2862322"/>
+              </a:xfrm>
+              <a:prstGeom prst="rect">
+                <a:avLst/>
+              </a:prstGeom>
+              <a:blipFill>
+                <a:blip r:embed="rId4"/>
+                <a:stretch>
+                  <a:fillRect l="-1341" t="-1279" r="-1341" b="-853"/>
+                </a:stretch>
+              </a:blipFill>
+            </p:spPr>
+            <p:txBody>
+              <a:bodyPr/>
+              <a:lstStyle/>
+              <a:p>
+                <a:r>
+                  <a:rPr lang="zh-CN" altLang="en-US">
+                    <a:noFill/>
+                  </a:rPr>
+                  <a:t> </a:t>
+                </a:r>
+              </a:p>
+            </p:txBody>
+          </p:sp>
+        </mc:Fallback>
+      </mc:AlternateContent>
+    </p:spTree>
+    <p:extLst>
+      <p:ext uri="{BB962C8B-B14F-4D97-AF65-F5344CB8AC3E}">
+        <p14:creationId xmlns:p14="http://schemas.microsoft.com/office/powerpoint/2010/main" val="536054063"/>
+      </p:ext>
+    </p:extLst>
+  </p:cSld>
+  <p:clrMapOvr>
+    <a:masterClrMapping/>
+  </p:clrMapOvr>
+</p:sld>
+</file>
+
+<file path=ppt/slides/slide7.xml><?xml version="1.0" encoding="utf-8"?>
+<p:sld xmlns:a="http://schemas.openxmlformats.org/drawingml/2006/main" xmlns:r="http://schemas.openxmlformats.org/officeDocument/2006/relationships" xmlns:p="http://schemas.openxmlformats.org/presentationml/2006/main">
+  <p:cSld>
+    <p:spTree>
+      <p:nvGrpSpPr>
+        <p:cNvPr id="1" name=""/>
+        <p:cNvGrpSpPr/>
+        <p:nvPr/>
+      </p:nvGrpSpPr>
+      <p:grpSpPr>
+        <a:xfrm>
+          <a:off x="0" y="0"/>
+          <a:ext cx="0" cy="0"/>
+          <a:chOff x="0" y="0"/>
+          <a:chExt cx="0" cy="0"/>
+        </a:xfrm>
+      </p:grpSpPr>
+      <p:sp>
+        <p:nvSpPr>
+          <p:cNvPr id="2" name="标题 1">
+            <a:extLst>
+              <a:ext uri="{FF2B5EF4-FFF2-40B4-BE49-F238E27FC236}">
+                <a16:creationId xmlns:a16="http://schemas.microsoft.com/office/drawing/2014/main" id="{EFDFC1AA-8BA0-4DC1-B988-1A404165D48F}"/>
+              </a:ext>
+            </a:extLst>
+          </p:cNvPr>
+          <p:cNvSpPr>
+            <a:spLocks noGrp="1"/>
+          </p:cNvSpPr>
+          <p:nvPr>
+            <p:ph type="title"/>
+          </p:nvPr>
+        </p:nvSpPr>
+        <p:spPr/>
+        <p:txBody>
+          <a:bodyPr/>
+          <a:lstStyle/>
+          <a:p>
+            <a:r>
+              <a:rPr lang="en-US" altLang="zh-CN" dirty="0"/>
+              <a:t>System Model: OFDM-IM (2)</a:t>
+            </a:r>
+            <a:endParaRPr lang="zh-CN" altLang="en-US" dirty="0"/>
+          </a:p>
+        </p:txBody>
+      </p:sp>
+      <p:sp>
+        <p:nvSpPr>
+          <p:cNvPr id="4" name="文本框 3">
+            <a:extLst>
+              <a:ext uri="{FF2B5EF4-FFF2-40B4-BE49-F238E27FC236}">
+                <a16:creationId xmlns:a16="http://schemas.microsoft.com/office/drawing/2014/main" id="{51891A1F-815E-4582-92B5-9B71D0F76858}"/>
+              </a:ext>
+            </a:extLst>
+          </p:cNvPr>
+          <p:cNvSpPr txBox="1"/>
+          <p:nvPr/>
+        </p:nvSpPr>
+        <p:spPr>
+          <a:xfrm>
+            <a:off x="838200" y="1690688"/>
+            <a:ext cx="10364096" cy="1200329"/>
+          </a:xfrm>
+          <a:prstGeom prst="rect">
+            <a:avLst/>
+          </a:prstGeom>
+          <a:noFill/>
+        </p:spPr>
+        <p:txBody>
+          <a:bodyPr wrap="square" rtlCol="0">
+            <a:spAutoFit/>
+          </a:bodyPr>
+          <a:lstStyle/>
+          <a:p>
+            <a:r>
+              <a:rPr lang="en-US" altLang="zh-CN" dirty="0"/>
+              <a:t>(1) ML detector:</a:t>
+            </a:r>
+          </a:p>
+          <a:p>
+            <a:r>
+              <a:rPr lang="en-US" altLang="zh-CN" dirty="0"/>
+              <a:t>The ML detector considers all possible subblock realizations by searching for all possible subcarrier index combinations and the signal constellation points in order to make a joint decision on the active indices and the constellation symbols for each subblock by minimizing the following metric:</a:t>
+            </a:r>
+            <a:endParaRPr lang="zh-CN" altLang="en-US" dirty="0"/>
+          </a:p>
+        </p:txBody>
+      </p:sp>
+      <p:pic>
+        <p:nvPicPr>
+          <p:cNvPr id="5" name="图片 4">
+            <a:extLst>
+              <a:ext uri="{FF2B5EF4-FFF2-40B4-BE49-F238E27FC236}">
+                <a16:creationId xmlns:a16="http://schemas.microsoft.com/office/drawing/2014/main" id="{53FA737B-0F9D-4042-BF1B-78CD1F6A7D51}"/>
+              </a:ext>
+            </a:extLst>
+          </p:cNvPr>
+          <p:cNvPicPr>
+            <a:picLocks noChangeAspect="1"/>
+          </p:cNvPicPr>
+          <p:nvPr/>
+        </p:nvPicPr>
+        <p:blipFill>
+          <a:blip r:embed="rId2"/>
+          <a:stretch>
+            <a:fillRect/>
+          </a:stretch>
+        </p:blipFill>
+        <p:spPr>
+          <a:xfrm>
+            <a:off x="3193763" y="3016251"/>
+            <a:ext cx="5804473" cy="950733"/>
+          </a:xfrm>
+          <a:prstGeom prst="rect">
+            <a:avLst/>
+          </a:prstGeom>
+        </p:spPr>
+      </p:pic>
+      <p:sp>
+        <p:nvSpPr>
+          <p:cNvPr id="6" name="文本框 5">
+            <a:extLst>
+              <a:ext uri="{FF2B5EF4-FFF2-40B4-BE49-F238E27FC236}">
+                <a16:creationId xmlns:a16="http://schemas.microsoft.com/office/drawing/2014/main" id="{A4662E2D-3A02-406D-AF35-966BD28FC1F4}"/>
+              </a:ext>
+            </a:extLst>
+          </p:cNvPr>
+          <p:cNvSpPr txBox="1"/>
+          <p:nvPr/>
+        </p:nvSpPr>
+        <p:spPr>
+          <a:xfrm>
+            <a:off x="838200" y="3966984"/>
+            <a:ext cx="10364096" cy="1477328"/>
+          </a:xfrm>
+          <a:prstGeom prst="rect">
+            <a:avLst/>
+          </a:prstGeom>
+          <a:noFill/>
+        </p:spPr>
+        <p:txBody>
+          <a:bodyPr wrap="square" rtlCol="0">
+            <a:spAutoFit/>
+          </a:bodyPr>
+          <a:lstStyle/>
+          <a:p>
+            <a:r>
+              <a:rPr lang="en-US" altLang="zh-CN" dirty="0"/>
+              <a:t>(2) LLR detector:</a:t>
+            </a:r>
+          </a:p>
+          <a:p>
+            <a:r>
+              <a:rPr lang="en-US" altLang="zh-CN" dirty="0"/>
+              <a:t>The LLR detector of the OFDM-IM scheme provides the logarithm of the ratio of a posteriori probabilities of the frequency domain symbols by considering the fact that their values can be either non-zero or zero. This ratio, which is given below, gives information on the active status of the corresponding index for each possible subcarrier.</a:t>
+            </a:r>
+          </a:p>
+        </p:txBody>
+      </p:sp>
+      <p:pic>
+        <p:nvPicPr>
+          <p:cNvPr id="7" name="图片 6">
+            <a:extLst>
+              <a:ext uri="{FF2B5EF4-FFF2-40B4-BE49-F238E27FC236}">
+                <a16:creationId xmlns:a16="http://schemas.microsoft.com/office/drawing/2014/main" id="{BF7CD0C0-763A-4C4C-B950-29CCA855B3D7}"/>
+              </a:ext>
+            </a:extLst>
+          </p:cNvPr>
+          <p:cNvPicPr>
+            <a:picLocks noChangeAspect="1"/>
+          </p:cNvPicPr>
+          <p:nvPr/>
+        </p:nvPicPr>
+        <p:blipFill>
+          <a:blip r:embed="rId3"/>
+          <a:stretch>
+            <a:fillRect/>
+          </a:stretch>
+        </p:blipFill>
+        <p:spPr>
+          <a:xfrm>
+            <a:off x="3818531" y="5722902"/>
+            <a:ext cx="4554936" cy="888307"/>
+          </a:xfrm>
+          <a:prstGeom prst="rect">
+            <a:avLst/>
+          </a:prstGeom>
+        </p:spPr>
+      </p:pic>
+    </p:spTree>
+    <p:extLst>
+      <p:ext uri="{BB962C8B-B14F-4D97-AF65-F5344CB8AC3E}">
+        <p14:creationId xmlns:p14="http://schemas.microsoft.com/office/powerpoint/2010/main" val="4212470971"/>
+      </p:ext>
+    </p:extLst>
+  </p:cSld>
+  <p:clrMapOvr>
+    <a:masterClrMapping/>
+  </p:clrMapOvr>
+</p:sld>
+</file>
+
+<file path=ppt/slides/slide8.xml><?xml version="1.0" encoding="utf-8"?>
+<p:sld xmlns:a="http://schemas.openxmlformats.org/drawingml/2006/main" xmlns:r="http://schemas.openxmlformats.org/officeDocument/2006/relationships" xmlns:p="http://schemas.openxmlformats.org/presentationml/2006/main">
+  <p:cSld>
+    <p:spTree>
+      <p:nvGrpSpPr>
+        <p:cNvPr id="1" name=""/>
+        <p:cNvGrpSpPr/>
+        <p:nvPr/>
+      </p:nvGrpSpPr>
+      <p:grpSpPr>
+        <a:xfrm>
+          <a:off x="0" y="0"/>
+          <a:ext cx="0" cy="0"/>
+          <a:chOff x="0" y="0"/>
+          <a:chExt cx="0" cy="0"/>
+        </a:xfrm>
+      </p:grpSpPr>
+      <p:sp>
+        <p:nvSpPr>
+          <p:cNvPr id="2" name="标题 1">
+            <a:extLst>
+              <a:ext uri="{FF2B5EF4-FFF2-40B4-BE49-F238E27FC236}">
+                <a16:creationId xmlns:a16="http://schemas.microsoft.com/office/drawing/2014/main" id="{8EF5220C-AF39-4314-88A3-C03A1A50A348}"/>
+              </a:ext>
+            </a:extLst>
+          </p:cNvPr>
+          <p:cNvSpPr>
+            <a:spLocks noGrp="1"/>
+          </p:cNvSpPr>
+          <p:nvPr>
+            <p:ph type="title"/>
+          </p:nvPr>
+        </p:nvSpPr>
+        <p:spPr/>
+        <p:txBody>
+          <a:bodyPr/>
+          <a:lstStyle/>
+          <a:p>
+            <a:r>
+              <a:rPr lang="en-US" altLang="zh-CN" dirty="0"/>
+              <a:t>Structure of </a:t>
+            </a:r>
+            <a:r>
+              <a:rPr lang="en-US" altLang="zh-CN" dirty="0" err="1"/>
+              <a:t>DeepIM</a:t>
+            </a:r>
+            <a:r>
+              <a:rPr lang="en-US" altLang="zh-CN" dirty="0"/>
+              <a:t> Detector</a:t>
+            </a:r>
+            <a:endParaRPr lang="zh-CN" altLang="en-US" dirty="0"/>
+          </a:p>
+        </p:txBody>
+      </p:sp>
+      <p:pic>
+        <p:nvPicPr>
+          <p:cNvPr id="4" name="图片 3">
+            <a:extLst>
+              <a:ext uri="{FF2B5EF4-FFF2-40B4-BE49-F238E27FC236}">
+                <a16:creationId xmlns:a16="http://schemas.microsoft.com/office/drawing/2014/main" id="{5CB53F52-4ECD-4C79-9B61-3A8A721C1B82}"/>
+              </a:ext>
+            </a:extLst>
+          </p:cNvPr>
+          <p:cNvPicPr>
+            <a:picLocks noChangeAspect="1"/>
+          </p:cNvPicPr>
+          <p:nvPr/>
+        </p:nvPicPr>
+        <p:blipFill>
+          <a:blip r:embed="rId3"/>
           <a:stretch>
             <a:fillRect/>
           </a:stretch>
@@ -4260,7 +7215,7 @@
           <p:nvPr/>
         </p:nvPicPr>
         <p:blipFill>
-          <a:blip r:embed="rId3"/>
+          <a:blip r:embed="rId4"/>
           <a:stretch>
             <a:fillRect/>
           </a:stretch>
@@ -4290,7 +7245,7 @@
           <p:nvPr/>
         </p:nvPicPr>
         <p:blipFill>
-          <a:blip r:embed="rId4"/>
+          <a:blip r:embed="rId5"/>
           <a:stretch>
             <a:fillRect/>
           </a:stretch>
@@ -4318,7 +7273,7 @@
 </p:sld>
 </file>
 
-<file path=ppt/slides/slide6.xml><?xml version="1.0" encoding="utf-8"?>
+<file path=ppt/slides/slide9.xml><?xml version="1.0" encoding="utf-8"?>
 <p:sld xmlns:a="http://schemas.openxmlformats.org/drawingml/2006/main" xmlns:r="http://schemas.openxmlformats.org/officeDocument/2006/relationships" xmlns:p="http://schemas.openxmlformats.org/presentationml/2006/main">
   <p:cSld>
     <p:spTree>
@@ -4357,7 +7312,7 @@
           <a:lstStyle/>
           <a:p>
             <a:r>
-              <a:rPr lang="en-US" altLang="zh-CN"/>
+              <a:rPr lang="en-US" altLang="zh-CN" dirty="0"/>
               <a:t>Simulation Result (1)</a:t>
             </a:r>
             <a:endParaRPr lang="zh-CN" altLang="en-US" dirty="0"/>
@@ -4388,7 +7343,7 @@
         </p:spPr>
         <p:txBody>
           <a:bodyPr>
-            <a:normAutofit/>
+            <a:normAutofit lnSpcReduction="10000"/>
           </a:bodyPr>
           <a:lstStyle/>
           <a:p>
@@ -4396,7 +7351,7 @@
               <a:buNone/>
             </a:pPr>
             <a:r>
-              <a:rPr lang="en-US" altLang="zh-CN" dirty="0"/>
+              <a:rPr lang="en-US" altLang="zh-CN" sz="2400" dirty="0"/>
               <a:t>Simulation env and support:</a:t>
             </a:r>
           </a:p>
@@ -4405,7 +7360,7 @@
               <a:buNone/>
             </a:pPr>
             <a:r>
-              <a:rPr lang="en-US" altLang="zh-CN" sz="2400" dirty="0"/>
+              <a:rPr lang="en-US" altLang="zh-CN" sz="2000" dirty="0"/>
               <a:t>Python 3.6.3</a:t>
             </a:r>
           </a:p>
@@ -4414,11 +7369,11 @@
               <a:buNone/>
             </a:pPr>
             <a:r>
-              <a:rPr lang="en-US" altLang="zh-CN" sz="2400" dirty="0" err="1"/>
+              <a:rPr lang="en-US" altLang="zh-CN" sz="2000" dirty="0" err="1"/>
               <a:t>Tensorflow</a:t>
             </a:r>
             <a:r>
-              <a:rPr lang="en-US" altLang="zh-CN" sz="2400" dirty="0"/>
+              <a:rPr lang="en-US" altLang="zh-CN" sz="2000" dirty="0"/>
               <a:t> 1.15.0</a:t>
             </a:r>
           </a:p>
@@ -4427,11 +7382,11 @@
               <a:buNone/>
             </a:pPr>
             <a:r>
-              <a:rPr lang="en-US" altLang="zh-CN" sz="2400" dirty="0" err="1"/>
+              <a:rPr lang="en-US" altLang="zh-CN" sz="2000" dirty="0" err="1"/>
               <a:t>Numpy</a:t>
             </a:r>
             <a:r>
-              <a:rPr lang="en-US" altLang="zh-CN" sz="2400" dirty="0"/>
+              <a:rPr lang="en-US" altLang="zh-CN" sz="2000" dirty="0"/>
               <a:t> 1.17.4</a:t>
             </a:r>
           </a:p>
@@ -4440,11 +7395,11 @@
               <a:buNone/>
             </a:pPr>
             <a:r>
-              <a:rPr lang="en-US" altLang="zh-CN" sz="2400" dirty="0" err="1"/>
+              <a:rPr lang="en-US" altLang="zh-CN" sz="2000" dirty="0" err="1"/>
               <a:t>Scipy</a:t>
             </a:r>
             <a:r>
-              <a:rPr lang="en-US" altLang="zh-CN" sz="2400" dirty="0"/>
+              <a:rPr lang="en-US" altLang="zh-CN" sz="2000" dirty="0"/>
               <a:t> 1.3.3</a:t>
             </a:r>
           </a:p>
@@ -4452,17 +7407,37 @@
             <a:pPr marL="0" indent="0">
               <a:buNone/>
             </a:pPr>
-            <a:r>
-              <a:rPr lang="en-US" altLang="zh-CN" sz="2400" dirty="0"/>
-              <a:t>GPU: </a:t>
-            </a:r>
-            <a:r>
-              <a:rPr lang="en-US" altLang="zh-CN" sz="2400" dirty="0" err="1"/>
-              <a:t>nvida</a:t>
-            </a:r>
-            <a:r>
-              <a:rPr lang="en-US" altLang="zh-CN" sz="2400" dirty="0"/>
-              <a:t> 1060/6G</a:t>
+            <a:endParaRPr lang="en-US" altLang="zh-CN" sz="2000" dirty="0"/>
+          </a:p>
+          <a:p>
+            <a:pPr marL="0" indent="0">
+              <a:buNone/>
+            </a:pPr>
+            <a:r>
+              <a:rPr lang="en-US" altLang="zh-CN" sz="2000" dirty="0"/>
+              <a:t>Offline Training Phase:</a:t>
+            </a:r>
+          </a:p>
+          <a:p>
+            <a:pPr marL="0" indent="0">
+              <a:buNone/>
+            </a:pPr>
+            <a:r>
+              <a:rPr lang="en-US" altLang="zh-CN" sz="2000" dirty="0" err="1"/>
+              <a:t>batch_size</a:t>
+            </a:r>
+            <a:r>
+              <a:rPr lang="en-US" altLang="zh-CN" sz="2000" dirty="0"/>
+              <a:t> = 1000 (random generate data set with Rayleigh fading and AWGN)</a:t>
+            </a:r>
+          </a:p>
+          <a:p>
+            <a:pPr marL="0" indent="0">
+              <a:buNone/>
+            </a:pPr>
+            <a:r>
+              <a:rPr lang="en-US" altLang="zh-CN" sz="2000" dirty="0"/>
+              <a:t>Epoch = 10,100,300,1000</a:t>
             </a:r>
           </a:p>
           <a:p>
@@ -4476,38 +7451,44 @@
               <a:buNone/>
             </a:pPr>
             <a:r>
-              <a:rPr lang="en-US" altLang="zh-CN" sz="2000" dirty="0"/>
+              <a:rPr lang="en-US" altLang="zh-CN" sz="1800" dirty="0"/>
               <a:t>Google </a:t>
             </a:r>
             <a:r>
-              <a:rPr lang="en-US" altLang="zh-CN" sz="2000" dirty="0" err="1"/>
+              <a:rPr lang="en-US" altLang="zh-CN" sz="1800" dirty="0" err="1"/>
               <a:t>Colab</a:t>
             </a:r>
             <a:r>
-              <a:rPr lang="en-US" altLang="zh-CN" sz="2000" dirty="0"/>
+              <a:rPr lang="en-US" altLang="zh-CN" sz="1800" dirty="0"/>
               <a:t>: </a:t>
             </a:r>
             <a:r>
-              <a:rPr lang="en-US" altLang="zh-CN" sz="2000" dirty="0">
+              <a:rPr lang="en-US" altLang="zh-CN" sz="1800" dirty="0">
                 <a:hlinkClick r:id="rId2"/>
               </a:rPr>
               <a:t>https://colab.research.google.com/drive/1cba8mNnZmB4QIetwnEW6225-UE0TavGQ</a:t>
             </a:r>
-            <a:endParaRPr lang="en-US" altLang="zh-CN" sz="2000" dirty="0"/>
+            <a:endParaRPr lang="en-US" altLang="zh-CN" sz="1800" dirty="0"/>
           </a:p>
           <a:p>
             <a:pPr marL="0" indent="0">
               <a:buNone/>
             </a:pPr>
             <a:r>
-              <a:rPr lang="en-US" altLang="zh-CN" sz="2000" dirty="0" err="1"/>
+              <a:rPr lang="en-US" altLang="zh-CN" sz="1800" dirty="0" err="1"/>
               <a:t>Github</a:t>
             </a:r>
             <a:r>
-              <a:rPr lang="en-US" altLang="zh-CN" sz="2000" dirty="0"/>
+              <a:rPr lang="en-US" altLang="zh-CN" sz="1800" dirty="0"/>
               <a:t>: </a:t>
             </a:r>
-            <a:endParaRPr lang="zh-CN" altLang="en-US" sz="2000" dirty="0"/>
+            <a:r>
+              <a:rPr lang="en-US" altLang="zh-CN" sz="1800" dirty="0">
+                <a:hlinkClick r:id="rId3"/>
+              </a:rPr>
+              <a:t>https://github.com/liuyuchen777/Detection-and-Estiamtion-Th-final-project</a:t>
+            </a:r>
+            <a:endParaRPr lang="zh-CN" altLang="en-US" sz="1800" dirty="0"/>
           </a:p>
         </p:txBody>
       </p:sp>
@@ -4515,118 +7496,6 @@
     <p:extLst>
       <p:ext uri="{BB962C8B-B14F-4D97-AF65-F5344CB8AC3E}">
         <p14:creationId xmlns:p14="http://schemas.microsoft.com/office/powerpoint/2010/main" val="2527313988"/>
-      </p:ext>
-    </p:extLst>
-  </p:cSld>
-  <p:clrMapOvr>
-    <a:masterClrMapping/>
-  </p:clrMapOvr>
-</p:sld>
-</file>
-
-<file path=ppt/slides/slide7.xml><?xml version="1.0" encoding="utf-8"?>
-<p:sld xmlns:a="http://schemas.openxmlformats.org/drawingml/2006/main" xmlns:r="http://schemas.openxmlformats.org/officeDocument/2006/relationships" xmlns:p="http://schemas.openxmlformats.org/presentationml/2006/main">
-  <p:cSld>
-    <p:spTree>
-      <p:nvGrpSpPr>
-        <p:cNvPr id="1" name=""/>
-        <p:cNvGrpSpPr/>
-        <p:nvPr/>
-      </p:nvGrpSpPr>
-      <p:grpSpPr>
-        <a:xfrm>
-          <a:off x="0" y="0"/>
-          <a:ext cx="0" cy="0"/>
-          <a:chOff x="0" y="0"/>
-          <a:chExt cx="0" cy="0"/>
-        </a:xfrm>
-      </p:grpSpPr>
-      <p:sp>
-        <p:nvSpPr>
-          <p:cNvPr id="2" name="标题 1">
-            <a:extLst>
-              <a:ext uri="{FF2B5EF4-FFF2-40B4-BE49-F238E27FC236}">
-                <a16:creationId xmlns:a16="http://schemas.microsoft.com/office/drawing/2014/main" id="{9CB2A288-8CBA-4AB0-A432-1A897C07A06A}"/>
-              </a:ext>
-            </a:extLst>
-          </p:cNvPr>
-          <p:cNvSpPr>
-            <a:spLocks noGrp="1"/>
-          </p:cNvSpPr>
-          <p:nvPr>
-            <p:ph type="title"/>
-          </p:nvPr>
-        </p:nvSpPr>
-        <p:spPr>
-          <a:xfrm>
-            <a:off x="838200" y="2766218"/>
-            <a:ext cx="10515600" cy="1325563"/>
-          </a:xfrm>
-        </p:spPr>
-        <p:txBody>
-          <a:bodyPr/>
-          <a:lstStyle/>
-          <a:p>
-            <a:pPr algn="ctr"/>
-            <a:r>
-              <a:rPr lang="en-US" altLang="zh-CN" dirty="0"/>
-              <a:t>Thank You !!!</a:t>
-            </a:r>
-            <a:endParaRPr lang="zh-CN" altLang="en-US" dirty="0"/>
-          </a:p>
-        </p:txBody>
-      </p:sp>
-      <p:pic>
-        <p:nvPicPr>
-          <p:cNvPr id="4" name="Picture 2" descr="「华中科技大学电子信息与通信学院」的圖片搜尋結果">
-            <a:extLst>
-              <a:ext uri="{FF2B5EF4-FFF2-40B4-BE49-F238E27FC236}">
-                <a16:creationId xmlns:a16="http://schemas.microsoft.com/office/drawing/2014/main" id="{F5E3D0C4-7696-435B-A69F-B05236B23471}"/>
-              </a:ext>
-            </a:extLst>
-          </p:cNvPr>
-          <p:cNvPicPr>
-            <a:picLocks noChangeAspect="1" noChangeArrowheads="1"/>
-          </p:cNvPicPr>
-          <p:nvPr/>
-        </p:nvPicPr>
-        <p:blipFill>
-          <a:blip r:embed="rId2">
-            <a:extLst>
-              <a:ext uri="{28A0092B-C50C-407E-A947-70E740481C1C}">
-                <a14:useLocalDpi xmlns:a14="http://schemas.microsoft.com/office/drawing/2010/main" val="0"/>
-              </a:ext>
-            </a:extLst>
-          </a:blip>
-          <a:srcRect/>
-          <a:stretch>
-            <a:fillRect/>
-          </a:stretch>
-        </p:blipFill>
-        <p:spPr bwMode="auto">
-          <a:xfrm>
-            <a:off x="390055" y="219032"/>
-            <a:ext cx="1826941" cy="1421027"/>
-          </a:xfrm>
-          <a:prstGeom prst="rect">
-            <a:avLst/>
-          </a:prstGeom>
-          <a:noFill/>
-          <a:extLst>
-            <a:ext uri="{909E8E84-426E-40DD-AFC4-6F175D3DCCD1}">
-              <a14:hiddenFill xmlns:a14="http://schemas.microsoft.com/office/drawing/2010/main">
-                <a:solidFill>
-                  <a:srgbClr val="FFFFFF"/>
-                </a:solidFill>
-              </a14:hiddenFill>
-            </a:ext>
-          </a:extLst>
-        </p:spPr>
-      </p:pic>
-    </p:spTree>
-    <p:extLst>
-      <p:ext uri="{BB962C8B-B14F-4D97-AF65-F5344CB8AC3E}">
-        <p14:creationId xmlns:p14="http://schemas.microsoft.com/office/powerpoint/2010/main" val="323265786"/>
       </p:ext>
     </p:extLst>
   </p:cSld>
@@ -4929,4 +7798,342 @@
     </a:ext>
   </a:extLst>
 </a:theme>
+</file>
+
+<file path=ppt/theme/theme2.xml><?xml version="1.0" encoding="utf-8"?>
+<a:theme xmlns:a="http://schemas.openxmlformats.org/drawingml/2006/main" name="Office 主题​​">
+  <a:themeElements>
+    <a:clrScheme name="Office">
+      <a:dk1>
+        <a:sysClr val="windowText" lastClr="000000"/>
+      </a:dk1>
+      <a:lt1>
+        <a:sysClr val="window" lastClr="FFFFFF"/>
+      </a:lt1>
+      <a:dk2>
+        <a:srgbClr val="44546A"/>
+      </a:dk2>
+      <a:lt2>
+        <a:srgbClr val="E7E6E6"/>
+      </a:lt2>
+      <a:accent1>
+        <a:srgbClr val="4472C4"/>
+      </a:accent1>
+      <a:accent2>
+        <a:srgbClr val="ED7D31"/>
+      </a:accent2>
+      <a:accent3>
+        <a:srgbClr val="A5A5A5"/>
+      </a:accent3>
+      <a:accent4>
+        <a:srgbClr val="FFC000"/>
+      </a:accent4>
+      <a:accent5>
+        <a:srgbClr val="5B9BD5"/>
+      </a:accent5>
+      <a:accent6>
+        <a:srgbClr val="70AD47"/>
+      </a:accent6>
+      <a:hlink>
+        <a:srgbClr val="0563C1"/>
+      </a:hlink>
+      <a:folHlink>
+        <a:srgbClr val="954F72"/>
+      </a:folHlink>
+    </a:clrScheme>
+    <a:fontScheme name="Office">
+      <a:majorFont>
+        <a:latin typeface="等线 Light" panose="020F0302020204030204"/>
+        <a:ea typeface=""/>
+        <a:cs typeface=""/>
+        <a:font script="Jpan" typeface="游ゴシック Light"/>
+        <a:font script="Hang" typeface="맑은 고딕"/>
+        <a:font script="Hans" typeface="等线 Light"/>
+        <a:font script="Hant" typeface="新細明體"/>
+        <a:font script="Arab" typeface="Times New Roman"/>
+        <a:font script="Hebr" typeface="Times New Roman"/>
+        <a:font script="Thai" typeface="Angsana New"/>
+        <a:font script="Ethi" typeface="Nyala"/>
+        <a:font script="Beng" typeface="Vrinda"/>
+        <a:font script="Gujr" typeface="Shruti"/>
+        <a:font script="Khmr" typeface="MoolBoran"/>
+        <a:font script="Knda" typeface="Tunga"/>
+        <a:font script="Guru" typeface="Raavi"/>
+        <a:font script="Cans" typeface="Euphemia"/>
+        <a:font script="Cher" typeface="Plantagenet Cherokee"/>
+        <a:font script="Yiii" typeface="Microsoft Yi Baiti"/>
+        <a:font script="Tibt" typeface="Microsoft Himalaya"/>
+        <a:font script="Thaa" typeface="MV Boli"/>
+        <a:font script="Deva" typeface="Mangal"/>
+        <a:font script="Telu" typeface="Gautami"/>
+        <a:font script="Taml" typeface="Latha"/>
+        <a:font script="Syrc" typeface="Estrangelo Edessa"/>
+        <a:font script="Orya" typeface="Kalinga"/>
+        <a:font script="Mlym" typeface="Kartika"/>
+        <a:font script="Laoo" typeface="DokChampa"/>
+        <a:font script="Sinh" typeface="Iskoola Pota"/>
+        <a:font script="Mong" typeface="Mongolian Baiti"/>
+        <a:font script="Viet" typeface="Times New Roman"/>
+        <a:font script="Uigh" typeface="Microsoft Uighur"/>
+        <a:font script="Geor" typeface="Sylfaen"/>
+        <a:font script="Armn" typeface="Arial"/>
+        <a:font script="Bugi" typeface="Leelawadee UI"/>
+        <a:font script="Bopo" typeface="Microsoft JhengHei"/>
+        <a:font script="Java" typeface="Javanese Text"/>
+        <a:font script="Lisu" typeface="Segoe UI"/>
+        <a:font script="Mymr" typeface="Myanmar Text"/>
+        <a:font script="Nkoo" typeface="Ebrima"/>
+        <a:font script="Olck" typeface="Nirmala UI"/>
+        <a:font script="Osma" typeface="Ebrima"/>
+        <a:font script="Phag" typeface="Phagspa"/>
+        <a:font script="Syrn" typeface="Estrangelo Edessa"/>
+        <a:font script="Syrj" typeface="Estrangelo Edessa"/>
+        <a:font script="Syre" typeface="Estrangelo Edessa"/>
+        <a:font script="Sora" typeface="Nirmala UI"/>
+        <a:font script="Tale" typeface="Microsoft Tai Le"/>
+        <a:font script="Talu" typeface="Microsoft New Tai Lue"/>
+        <a:font script="Tfng" typeface="Ebrima"/>
+      </a:majorFont>
+      <a:minorFont>
+        <a:latin typeface="等线" panose="020F0502020204030204"/>
+        <a:ea typeface=""/>
+        <a:cs typeface=""/>
+        <a:font script="Jpan" typeface="游ゴシック"/>
+        <a:font script="Hang" typeface="맑은 고딕"/>
+        <a:font script="Hans" typeface="等线"/>
+        <a:font script="Hant" typeface="新細明體"/>
+        <a:font script="Arab" typeface="Arial"/>
+        <a:font script="Hebr" typeface="Arial"/>
+        <a:font script="Thai" typeface="Cordia New"/>
+        <a:font script="Ethi" typeface="Nyala"/>
+        <a:font script="Beng" typeface="Vrinda"/>
+        <a:font script="Gujr" typeface="Shruti"/>
+        <a:font script="Khmr" typeface="DaunPenh"/>
+        <a:font script="Knda" typeface="Tunga"/>
+        <a:font script="Guru" typeface="Raavi"/>
+        <a:font script="Cans" typeface="Euphemia"/>
+        <a:font script="Cher" typeface="Plantagenet Cherokee"/>
+        <a:font script="Yiii" typeface="Microsoft Yi Baiti"/>
+        <a:font script="Tibt" typeface="Microsoft Himalaya"/>
+        <a:font script="Thaa" typeface="MV Boli"/>
+        <a:font script="Deva" typeface="Mangal"/>
+        <a:font script="Telu" typeface="Gautami"/>
+        <a:font script="Taml" typeface="Latha"/>
+        <a:font script="Syrc" typeface="Estrangelo Edessa"/>
+        <a:font script="Orya" typeface="Kalinga"/>
+        <a:font script="Mlym" typeface="Kartika"/>
+        <a:font script="Laoo" typeface="DokChampa"/>
+        <a:font script="Sinh" typeface="Iskoola Pota"/>
+        <a:font script="Mong" typeface="Mongolian Baiti"/>
+        <a:font script="Viet" typeface="Arial"/>
+        <a:font script="Uigh" typeface="Microsoft Uighur"/>
+        <a:font script="Geor" typeface="Sylfaen"/>
+        <a:font script="Armn" typeface="Arial"/>
+        <a:font script="Bugi" typeface="Leelawadee UI"/>
+        <a:font script="Bopo" typeface="Microsoft JhengHei"/>
+        <a:font script="Java" typeface="Javanese Text"/>
+        <a:font script="Lisu" typeface="Segoe UI"/>
+        <a:font script="Mymr" typeface="Myanmar Text"/>
+        <a:font script="Nkoo" typeface="Ebrima"/>
+        <a:font script="Olck" typeface="Nirmala UI"/>
+        <a:font script="Osma" typeface="Ebrima"/>
+        <a:font script="Phag" typeface="Phagspa"/>
+        <a:font script="Syrn" typeface="Estrangelo Edessa"/>
+        <a:font script="Syrj" typeface="Estrangelo Edessa"/>
+        <a:font script="Syre" typeface="Estrangelo Edessa"/>
+        <a:font script="Sora" typeface="Nirmala UI"/>
+        <a:font script="Tale" typeface="Microsoft Tai Le"/>
+        <a:font script="Talu" typeface="Microsoft New Tai Lue"/>
+        <a:font script="Tfng" typeface="Ebrima"/>
+      </a:minorFont>
+    </a:fontScheme>
+    <a:fmtScheme name="Office">
+      <a:fillStyleLst>
+        <a:solidFill>
+          <a:schemeClr val="phClr"/>
+        </a:solidFill>
+        <a:gradFill rotWithShape="1">
+          <a:gsLst>
+            <a:gs pos="0">
+              <a:schemeClr val="phClr">
+                <a:lumMod val="110000"/>
+                <a:satMod val="105000"/>
+                <a:tint val="67000"/>
+              </a:schemeClr>
+            </a:gs>
+            <a:gs pos="50000">
+              <a:schemeClr val="phClr">
+                <a:lumMod val="105000"/>
+                <a:satMod val="103000"/>
+                <a:tint val="73000"/>
+              </a:schemeClr>
+            </a:gs>
+            <a:gs pos="100000">
+              <a:schemeClr val="phClr">
+                <a:lumMod val="105000"/>
+                <a:satMod val="109000"/>
+                <a:tint val="81000"/>
+              </a:schemeClr>
+            </a:gs>
+          </a:gsLst>
+          <a:lin ang="5400000" scaled="0"/>
+        </a:gradFill>
+        <a:gradFill rotWithShape="1">
+          <a:gsLst>
+            <a:gs pos="0">
+              <a:schemeClr val="phClr">
+                <a:satMod val="103000"/>
+                <a:lumMod val="102000"/>
+                <a:tint val="94000"/>
+              </a:schemeClr>
+            </a:gs>
+            <a:gs pos="50000">
+              <a:schemeClr val="phClr">
+                <a:satMod val="110000"/>
+                <a:lumMod val="100000"/>
+                <a:shade val="100000"/>
+              </a:schemeClr>
+            </a:gs>
+            <a:gs pos="100000">
+              <a:schemeClr val="phClr">
+                <a:lumMod val="99000"/>
+                <a:satMod val="120000"/>
+                <a:shade val="78000"/>
+              </a:schemeClr>
+            </a:gs>
+          </a:gsLst>
+          <a:lin ang="5400000" scaled="0"/>
+        </a:gradFill>
+      </a:fillStyleLst>
+      <a:lnStyleLst>
+        <a:ln w="6350" cap="flat" cmpd="sng" algn="ctr">
+          <a:solidFill>
+            <a:schemeClr val="phClr"/>
+          </a:solidFill>
+          <a:prstDash val="solid"/>
+          <a:miter lim="800000"/>
+        </a:ln>
+        <a:ln w="12700" cap="flat" cmpd="sng" algn="ctr">
+          <a:solidFill>
+            <a:schemeClr val="phClr"/>
+          </a:solidFill>
+          <a:prstDash val="solid"/>
+          <a:miter lim="800000"/>
+        </a:ln>
+        <a:ln w="19050" cap="flat" cmpd="sng" algn="ctr">
+          <a:solidFill>
+            <a:schemeClr val="phClr"/>
+          </a:solidFill>
+          <a:prstDash val="solid"/>
+          <a:miter lim="800000"/>
+        </a:ln>
+      </a:lnStyleLst>
+      <a:effectStyleLst>
+        <a:effectStyle>
+          <a:effectLst/>
+        </a:effectStyle>
+        <a:effectStyle>
+          <a:effectLst/>
+        </a:effectStyle>
+        <a:effectStyle>
+          <a:effectLst>
+            <a:outerShdw blurRad="57150" dist="19050" dir="5400000" algn="ctr" rotWithShape="0">
+              <a:srgbClr val="000000">
+                <a:alpha val="63000"/>
+              </a:srgbClr>
+            </a:outerShdw>
+          </a:effectLst>
+        </a:effectStyle>
+      </a:effectStyleLst>
+      <a:bgFillStyleLst>
+        <a:solidFill>
+          <a:schemeClr val="phClr"/>
+        </a:solidFill>
+        <a:solidFill>
+          <a:schemeClr val="phClr">
+            <a:tint val="95000"/>
+            <a:satMod val="170000"/>
+          </a:schemeClr>
+        </a:solidFill>
+        <a:gradFill rotWithShape="1">
+          <a:gsLst>
+            <a:gs pos="0">
+              <a:schemeClr val="phClr">
+                <a:tint val="93000"/>
+                <a:satMod val="150000"/>
+                <a:shade val="98000"/>
+                <a:lumMod val="102000"/>
+              </a:schemeClr>
+            </a:gs>
+            <a:gs pos="50000">
+              <a:schemeClr val="phClr">
+                <a:tint val="98000"/>
+                <a:satMod val="130000"/>
+                <a:shade val="90000"/>
+                <a:lumMod val="103000"/>
+              </a:schemeClr>
+            </a:gs>
+            <a:gs pos="100000">
+              <a:schemeClr val="phClr">
+                <a:shade val="63000"/>
+                <a:satMod val="120000"/>
+              </a:schemeClr>
+            </a:gs>
+          </a:gsLst>
+          <a:lin ang="5400000" scaled="0"/>
+        </a:gradFill>
+      </a:bgFillStyleLst>
+    </a:fmtScheme>
+  </a:themeElements>
+  <a:objectDefaults/>
+  <a:extraClrSchemeLst/>
+  <a:extLst>
+    <a:ext uri="{05A4C25C-085E-4340-85A3-A5531E510DB2}">
+      <thm15:themeFamily xmlns:thm15="http://schemas.microsoft.com/office/thememl/2012/main" name="Office Theme" id="{62F939B6-93AF-4DB8-9C6B-D6C7DFDC589F}" vid="{4A3C46E8-61CC-4603-A589-7422A47A8E4A}"/>
+    </a:ext>
+  </a:extLst>
+</a:theme>
+</file>
+
+<file path=ppt/theme/themeOverride1.xml><?xml version="1.0" encoding="utf-8"?>
+<a:themeOverride xmlns:a="http://schemas.openxmlformats.org/drawingml/2006/main">
+  <a:clrScheme name="Office">
+    <a:dk1>
+      <a:sysClr val="windowText" lastClr="000000"/>
+    </a:dk1>
+    <a:lt1>
+      <a:sysClr val="window" lastClr="FFFFFF"/>
+    </a:lt1>
+    <a:dk2>
+      <a:srgbClr val="44546A"/>
+    </a:dk2>
+    <a:lt2>
+      <a:srgbClr val="E7E6E6"/>
+    </a:lt2>
+    <a:accent1>
+      <a:srgbClr val="4472C4"/>
+    </a:accent1>
+    <a:accent2>
+      <a:srgbClr val="ED7D31"/>
+    </a:accent2>
+    <a:accent3>
+      <a:srgbClr val="A5A5A5"/>
+    </a:accent3>
+    <a:accent4>
+      <a:srgbClr val="FFC000"/>
+    </a:accent4>
+    <a:accent5>
+      <a:srgbClr val="5B9BD5"/>
+    </a:accent5>
+    <a:accent6>
+      <a:srgbClr val="70AD47"/>
+    </a:accent6>
+    <a:hlink>
+      <a:srgbClr val="0563C1"/>
+    </a:hlink>
+    <a:folHlink>
+      <a:srgbClr val="954F72"/>
+    </a:folHlink>
+  </a:clrScheme>
+</a:themeOverride>
 </file>